--- a/week12_naieve_bs.pptx
+++ b/week12_naieve_bs.pptx
@@ -4,21 +4,26 @@
   <p:sldMasterIdLst>
     <p:sldMasterId id="2147483648" r:id="rId1"/>
   </p:sldMasterIdLst>
+  <p:notesMasterIdLst>
+    <p:notesMasterId r:id="rId19"/>
+  </p:notesMasterIdLst>
   <p:sldIdLst>
     <p:sldId id="256" r:id="rId3"/>
     <p:sldId id="379" r:id="rId4"/>
-    <p:sldId id="433" r:id="rId5"/>
+    <p:sldId id="450" r:id="rId5"/>
     <p:sldId id="260" r:id="rId6"/>
-    <p:sldId id="434" r:id="rId7"/>
-    <p:sldId id="435" r:id="rId8"/>
-    <p:sldId id="439" r:id="rId9"/>
-    <p:sldId id="436" r:id="rId10"/>
-    <p:sldId id="437" r:id="rId11"/>
-    <p:sldId id="440" r:id="rId12"/>
-    <p:sldId id="441" r:id="rId13"/>
-    <p:sldId id="442" r:id="rId14"/>
-    <p:sldId id="443" r:id="rId15"/>
-    <p:sldId id="444" r:id="rId16"/>
+    <p:sldId id="449" r:id="rId7"/>
+    <p:sldId id="434" r:id="rId8"/>
+    <p:sldId id="435" r:id="rId9"/>
+    <p:sldId id="439" r:id="rId10"/>
+    <p:sldId id="436" r:id="rId11"/>
+    <p:sldId id="437" r:id="rId12"/>
+    <p:sldId id="440" r:id="rId13"/>
+    <p:sldId id="441" r:id="rId14"/>
+    <p:sldId id="442" r:id="rId15"/>
+    <p:sldId id="443" r:id="rId16"/>
+    <p:sldId id="444" r:id="rId17"/>
+    <p:sldId id="448" r:id="rId18"/>
   </p:sldIdLst>
   <p:sldSz cx="12192000" cy="6858000"/>
   <p:notesSz cx="6858000" cy="9144000"/>
@@ -118,6 +123,397 @@
     </a:lvl9pPr>
   </p:defaultTextStyle>
 </p:presentation>
+</file>
+
+<file path=ppt/notesMasters/notesMaster1.xml><?xml version="1.0" encoding="utf-8"?>
+<p:notesMaster xmlns:a="http://schemas.openxmlformats.org/drawingml/2006/main" xmlns:r="http://schemas.openxmlformats.org/officeDocument/2006/relationships" xmlns:p="http://schemas.openxmlformats.org/presentationml/2006/main">
+  <p:cSld>
+    <p:bg>
+      <p:bgRef idx="1001">
+        <a:schemeClr val="bg1"/>
+      </p:bgRef>
+    </p:bg>
+    <p:spTree>
+      <p:nvGrpSpPr>
+        <p:cNvPr id="1" name=""/>
+        <p:cNvGrpSpPr/>
+        <p:nvPr/>
+      </p:nvGrpSpPr>
+      <p:grpSpPr>
+        <a:xfrm>
+          <a:off x="0" y="0"/>
+          <a:ext cx="0" cy="0"/>
+          <a:chOff x="0" y="0"/>
+          <a:chExt cx="0" cy="0"/>
+        </a:xfrm>
+      </p:grpSpPr>
+      <p:sp>
+        <p:nvSpPr>
+          <p:cNvPr id="2" name="Header Placeholder 1"/>
+          <p:cNvSpPr>
+            <a:spLocks noGrp="1"/>
+          </p:cNvSpPr>
+          <p:nvPr>
+            <p:ph type="hdr" sz="quarter"/>
+          </p:nvPr>
+        </p:nvSpPr>
+        <p:spPr>
+          <a:xfrm>
+            <a:off x="0" y="0"/>
+            <a:ext cx="2971800" cy="458788"/>
+          </a:xfrm>
+          <a:prstGeom prst="rect">
+            <a:avLst/>
+          </a:prstGeom>
+        </p:spPr>
+        <p:txBody>
+          <a:bodyPr vert="horz" lIns="91440" tIns="45720" rIns="91440" bIns="45720" rtlCol="0"/>
+          <a:lstStyle>
+            <a:lvl1pPr algn="l">
+              <a:defRPr sz="1200"/>
+            </a:lvl1pPr>
+          </a:lstStyle>
+          <a:p>
+            <a:endParaRPr lang="en-US"/>
+          </a:p>
+        </p:txBody>
+      </p:sp>
+      <p:sp>
+        <p:nvSpPr>
+          <p:cNvPr id="3" name="Date Placeholder 2"/>
+          <p:cNvSpPr>
+            <a:spLocks noGrp="1"/>
+          </p:cNvSpPr>
+          <p:nvPr>
+            <p:ph type="dt" idx="1"/>
+          </p:nvPr>
+        </p:nvSpPr>
+        <p:spPr>
+          <a:xfrm>
+            <a:off x="3884613" y="0"/>
+            <a:ext cx="2971800" cy="458788"/>
+          </a:xfrm>
+          <a:prstGeom prst="rect">
+            <a:avLst/>
+          </a:prstGeom>
+        </p:spPr>
+        <p:txBody>
+          <a:bodyPr vert="horz" lIns="91440" tIns="45720" rIns="91440" bIns="45720" rtlCol="0"/>
+          <a:lstStyle>
+            <a:lvl1pPr algn="r">
+              <a:defRPr sz="1200"/>
+            </a:lvl1pPr>
+          </a:lstStyle>
+          <a:p>
+            <a:fld id="{3EFD42F7-718C-4B98-AAEC-167E6DDD60A7}" type="datetimeFigureOut">
+              <a:rPr lang="en-US" smtClean="0"/>
+            </a:fld>
+            <a:endParaRPr lang="en-US"/>
+          </a:p>
+        </p:txBody>
+      </p:sp>
+      <p:sp>
+        <p:nvSpPr>
+          <p:cNvPr id="4" name="Slide Image Placeholder 3"/>
+          <p:cNvSpPr>
+            <a:spLocks noGrp="1" noRot="1" noChangeAspect="1"/>
+          </p:cNvSpPr>
+          <p:nvPr>
+            <p:ph type="sldImg" idx="2"/>
+          </p:nvPr>
+        </p:nvSpPr>
+        <p:spPr>
+          <a:xfrm>
+            <a:off x="685800" y="1143000"/>
+            <a:ext cx="5486400" cy="3086100"/>
+          </a:xfrm>
+          <a:prstGeom prst="rect">
+            <a:avLst/>
+          </a:prstGeom>
+          <a:noFill/>
+          <a:ln w="12700">
+            <a:solidFill>
+              <a:prstClr val="black"/>
+            </a:solidFill>
+          </a:ln>
+        </p:spPr>
+        <p:txBody>
+          <a:bodyPr vert="horz" lIns="91440" tIns="45720" rIns="91440" bIns="45720" rtlCol="0" anchor="ctr"/>
+          <a:lstStyle/>
+          <a:p>
+            <a:endParaRPr lang="en-US"/>
+          </a:p>
+        </p:txBody>
+      </p:sp>
+      <p:sp>
+        <p:nvSpPr>
+          <p:cNvPr id="5" name="Notes Placeholder 4"/>
+          <p:cNvSpPr>
+            <a:spLocks noGrp="1"/>
+          </p:cNvSpPr>
+          <p:nvPr>
+            <p:ph type="body" sz="quarter" idx="3"/>
+          </p:nvPr>
+        </p:nvSpPr>
+        <p:spPr>
+          <a:xfrm>
+            <a:off x="685800" y="4400550"/>
+            <a:ext cx="5486400" cy="3600450"/>
+          </a:xfrm>
+          <a:prstGeom prst="rect">
+            <a:avLst/>
+          </a:prstGeom>
+        </p:spPr>
+        <p:txBody>
+          <a:bodyPr vert="horz" lIns="91440" tIns="45720" rIns="91440" bIns="45720" rtlCol="0"/>
+          <a:lstStyle/>
+          <a:p>
+            <a:pPr lvl="0"/>
+            <a:r>
+              <a:rPr lang="en-US" smtClean="0"/>
+              <a:t>Click to edit Master text styles</a:t>
+            </a:r>
+            <a:endParaRPr lang="en-US" smtClean="0"/>
+          </a:p>
+          <a:p>
+            <a:pPr lvl="1"/>
+            <a:r>
+              <a:rPr lang="en-US" smtClean="0"/>
+              <a:t>Second level</a:t>
+            </a:r>
+            <a:endParaRPr lang="en-US" smtClean="0"/>
+          </a:p>
+          <a:p>
+            <a:pPr lvl="2"/>
+            <a:r>
+              <a:rPr lang="en-US" smtClean="0"/>
+              <a:t>Third level</a:t>
+            </a:r>
+            <a:endParaRPr lang="en-US" smtClean="0"/>
+          </a:p>
+          <a:p>
+            <a:pPr lvl="3"/>
+            <a:r>
+              <a:rPr lang="en-US" smtClean="0"/>
+              <a:t>Fourth level</a:t>
+            </a:r>
+            <a:endParaRPr lang="en-US" smtClean="0"/>
+          </a:p>
+          <a:p>
+            <a:pPr lvl="4"/>
+            <a:r>
+              <a:rPr lang="en-US" smtClean="0"/>
+              <a:t>Fifth level</a:t>
+            </a:r>
+            <a:endParaRPr lang="en-US"/>
+          </a:p>
+        </p:txBody>
+      </p:sp>
+      <p:sp>
+        <p:nvSpPr>
+          <p:cNvPr id="6" name="Footer Placeholder 5"/>
+          <p:cNvSpPr>
+            <a:spLocks noGrp="1"/>
+          </p:cNvSpPr>
+          <p:nvPr>
+            <p:ph type="ftr" sz="quarter" idx="4"/>
+          </p:nvPr>
+        </p:nvSpPr>
+        <p:spPr>
+          <a:xfrm>
+            <a:off x="0" y="8685213"/>
+            <a:ext cx="2971800" cy="458787"/>
+          </a:xfrm>
+          <a:prstGeom prst="rect">
+            <a:avLst/>
+          </a:prstGeom>
+        </p:spPr>
+        <p:txBody>
+          <a:bodyPr vert="horz" lIns="91440" tIns="45720" rIns="91440" bIns="45720" rtlCol="0" anchor="b"/>
+          <a:lstStyle>
+            <a:lvl1pPr algn="l">
+              <a:defRPr sz="1200"/>
+            </a:lvl1pPr>
+          </a:lstStyle>
+          <a:p>
+            <a:endParaRPr lang="en-US"/>
+          </a:p>
+        </p:txBody>
+      </p:sp>
+      <p:sp>
+        <p:nvSpPr>
+          <p:cNvPr id="7" name="Slide Number Placeholder 6"/>
+          <p:cNvSpPr>
+            <a:spLocks noGrp="1"/>
+          </p:cNvSpPr>
+          <p:nvPr>
+            <p:ph type="sldNum" sz="quarter" idx="5"/>
+          </p:nvPr>
+        </p:nvSpPr>
+        <p:spPr>
+          <a:xfrm>
+            <a:off x="3884613" y="8685213"/>
+            <a:ext cx="2971800" cy="458787"/>
+          </a:xfrm>
+          <a:prstGeom prst="rect">
+            <a:avLst/>
+          </a:prstGeom>
+        </p:spPr>
+        <p:txBody>
+          <a:bodyPr vert="horz" lIns="91440" tIns="45720" rIns="91440" bIns="45720" rtlCol="0" anchor="b"/>
+          <a:lstStyle>
+            <a:lvl1pPr algn="r">
+              <a:defRPr sz="1200"/>
+            </a:lvl1pPr>
+          </a:lstStyle>
+          <a:p>
+            <a:fld id="{21B2AA4F-B828-4D7C-AFD3-893933DAFCB4}" type="slidenum">
+              <a:rPr lang="en-US" smtClean="0"/>
+            </a:fld>
+            <a:endParaRPr lang="en-US"/>
+          </a:p>
+        </p:txBody>
+      </p:sp>
+    </p:spTree>
+  </p:cSld>
+  <p:clrMap bg1="lt1" tx1="dk1" bg2="lt2" tx2="dk2" accent1="accent1" accent2="accent2" accent3="accent3" accent4="accent4" accent5="accent5" accent6="accent6" hlink="hlink" folHlink="folHlink"/>
+  <p:notesStyle>
+    <a:lvl1pPr marL="0" algn="l" defTabSz="914400" rtl="0" eaLnBrk="1" latinLnBrk="0" hangingPunct="1">
+      <a:defRPr sz="1200" kern="1200">
+        <a:solidFill>
+          <a:schemeClr val="tx1"/>
+        </a:solidFill>
+        <a:latin typeface="+mn-lt"/>
+        <a:ea typeface="+mn-ea"/>
+        <a:cs typeface="+mn-cs"/>
+      </a:defRPr>
+    </a:lvl1pPr>
+    <a:lvl2pPr marL="457200" algn="l" defTabSz="914400" rtl="0" eaLnBrk="1" latinLnBrk="0" hangingPunct="1">
+      <a:defRPr sz="1200" kern="1200">
+        <a:solidFill>
+          <a:schemeClr val="tx1"/>
+        </a:solidFill>
+        <a:latin typeface="+mn-lt"/>
+        <a:ea typeface="+mn-ea"/>
+        <a:cs typeface="+mn-cs"/>
+      </a:defRPr>
+    </a:lvl2pPr>
+    <a:lvl3pPr marL="914400" algn="l" defTabSz="914400" rtl="0" eaLnBrk="1" latinLnBrk="0" hangingPunct="1">
+      <a:defRPr sz="1200" kern="1200">
+        <a:solidFill>
+          <a:schemeClr val="tx1"/>
+        </a:solidFill>
+        <a:latin typeface="+mn-lt"/>
+        <a:ea typeface="+mn-ea"/>
+        <a:cs typeface="+mn-cs"/>
+      </a:defRPr>
+    </a:lvl3pPr>
+    <a:lvl4pPr marL="1371600" algn="l" defTabSz="914400" rtl="0" eaLnBrk="1" latinLnBrk="0" hangingPunct="1">
+      <a:defRPr sz="1200" kern="1200">
+        <a:solidFill>
+          <a:schemeClr val="tx1"/>
+        </a:solidFill>
+        <a:latin typeface="+mn-lt"/>
+        <a:ea typeface="+mn-ea"/>
+        <a:cs typeface="+mn-cs"/>
+      </a:defRPr>
+    </a:lvl4pPr>
+    <a:lvl5pPr marL="1828800" algn="l" defTabSz="914400" rtl="0" eaLnBrk="1" latinLnBrk="0" hangingPunct="1">
+      <a:defRPr sz="1200" kern="1200">
+        <a:solidFill>
+          <a:schemeClr val="tx1"/>
+        </a:solidFill>
+        <a:latin typeface="+mn-lt"/>
+        <a:ea typeface="+mn-ea"/>
+        <a:cs typeface="+mn-cs"/>
+      </a:defRPr>
+    </a:lvl5pPr>
+    <a:lvl6pPr marL="2286000" algn="l" defTabSz="914400" rtl="0" eaLnBrk="1" latinLnBrk="0" hangingPunct="1">
+      <a:defRPr sz="1200" kern="1200">
+        <a:solidFill>
+          <a:schemeClr val="tx1"/>
+        </a:solidFill>
+        <a:latin typeface="+mn-lt"/>
+        <a:ea typeface="+mn-ea"/>
+        <a:cs typeface="+mn-cs"/>
+      </a:defRPr>
+    </a:lvl6pPr>
+    <a:lvl7pPr marL="2743200" algn="l" defTabSz="914400" rtl="0" eaLnBrk="1" latinLnBrk="0" hangingPunct="1">
+      <a:defRPr sz="1200" kern="1200">
+        <a:solidFill>
+          <a:schemeClr val="tx1"/>
+        </a:solidFill>
+        <a:latin typeface="+mn-lt"/>
+        <a:ea typeface="+mn-ea"/>
+        <a:cs typeface="+mn-cs"/>
+      </a:defRPr>
+    </a:lvl7pPr>
+    <a:lvl8pPr marL="3200400" algn="l" defTabSz="914400" rtl="0" eaLnBrk="1" latinLnBrk="0" hangingPunct="1">
+      <a:defRPr sz="1200" kern="1200">
+        <a:solidFill>
+          <a:schemeClr val="tx1"/>
+        </a:solidFill>
+        <a:latin typeface="+mn-lt"/>
+        <a:ea typeface="+mn-ea"/>
+        <a:cs typeface="+mn-cs"/>
+      </a:defRPr>
+    </a:lvl8pPr>
+    <a:lvl9pPr marL="3657600" algn="l" defTabSz="914400" rtl="0" eaLnBrk="1" latinLnBrk="0" hangingPunct="1">
+      <a:defRPr sz="1200" kern="1200">
+        <a:solidFill>
+          <a:schemeClr val="tx1"/>
+        </a:solidFill>
+        <a:latin typeface="+mn-lt"/>
+        <a:ea typeface="+mn-ea"/>
+        <a:cs typeface="+mn-cs"/>
+      </a:defRPr>
+    </a:lvl9pPr>
+  </p:notesStyle>
+</p:notesMaster>
+</file>
+
+<file path=ppt/notesSlides/notesSlide1.xml><?xml version="1.0" encoding="utf-8"?>
+<p:notes xmlns:a="http://schemas.openxmlformats.org/drawingml/2006/main" xmlns:r="http://schemas.openxmlformats.org/officeDocument/2006/relationships" xmlns:p="http://schemas.openxmlformats.org/presentationml/2006/main">
+  <p:cSld>
+    <p:spTree>
+      <p:nvGrpSpPr>
+        <p:cNvPr id="1" name=""/>
+        <p:cNvGrpSpPr/>
+        <p:nvPr/>
+      </p:nvGrpSpPr>
+      <p:grpSpPr/>
+      <p:sp>
+        <p:nvSpPr>
+          <p:cNvPr id="2" name="Slide Image Placeholder 1"/>
+          <p:cNvSpPr/>
+          <p:nvPr>
+            <p:ph type="sldImg" idx="2"/>
+          </p:nvPr>
+        </p:nvSpPr>
+        <p:spPr/>
+      </p:sp>
+      <p:sp>
+        <p:nvSpPr>
+          <p:cNvPr id="3" name="Text Placeholder 2"/>
+          <p:cNvSpPr/>
+          <p:nvPr>
+            <p:ph type="body" idx="3"/>
+          </p:nvPr>
+        </p:nvSpPr>
+        <p:spPr/>
+        <p:txBody>
+          <a:bodyPr/>
+          <a:p>
+            <a:endParaRPr lang="en-US"/>
+          </a:p>
+        </p:txBody>
+      </p:sp>
+    </p:spTree>
+  </p:cSld>
+  <p:clrMapOvr>
+    <a:masterClrMapping/>
+  </p:clrMapOvr>
+</p:notes>
 </file>
 
 <file path=ppt/slideLayouts/slideLayout1.xml><?xml version="1.0" encoding="utf-8"?>
@@ -3019,7 +3415,7 @@
               </a:rPr>
             </a:br>
             <a:r>
-              <a:rPr lang="" altLang="en-US" sz="5400" b="1">
+              <a:rPr lang="en-US" altLang="en-US" sz="5400" b="1">
                 <a:solidFill>
                   <a:schemeClr val="tx1"/>
                 </a:solidFill>
@@ -3039,7 +3435,7 @@
               </a:rPr>
               <a:t>朴素贝叶斯</a:t>
             </a:r>
-            <a:endParaRPr lang="" altLang="en-US" sz="5400" b="1">
+            <a:endParaRPr lang="en-US" altLang="en-US" sz="5400" b="1">
               <a:solidFill>
                 <a:schemeClr val="tx1"/>
               </a:solidFill>
@@ -3293,6 +3689,184 @@
 </file>
 
 <file path=ppt/slides/slide10.xml><?xml version="1.0" encoding="utf-8"?>
+<p:sld xmlns:a="http://schemas.openxmlformats.org/drawingml/2006/main" xmlns:r="http://schemas.openxmlformats.org/officeDocument/2006/relationships" xmlns:p="http://schemas.openxmlformats.org/presentationml/2006/main">
+  <p:cSld>
+    <p:spTree>
+      <p:nvGrpSpPr>
+        <p:cNvPr id="1" name=""/>
+        <p:cNvGrpSpPr/>
+        <p:nvPr/>
+      </p:nvGrpSpPr>
+      <p:grpSpPr/>
+      <p:sp>
+        <p:nvSpPr>
+          <p:cNvPr id="2" name="Title 1"/>
+          <p:cNvSpPr>
+            <a:spLocks noGrp="1"/>
+          </p:cNvSpPr>
+          <p:nvPr>
+            <p:ph type="title"/>
+          </p:nvPr>
+        </p:nvSpPr>
+        <p:spPr/>
+        <p:txBody>
+          <a:bodyPr/>
+          <a:p>
+            <a:r>
+              <a:rPr lang="en-US" altLang="en-US" b="1"/>
+              <a:t>p(不帅|嫁)=？</a:t>
+            </a:r>
+            <a:endParaRPr lang="en-US" altLang="en-US" b="1"/>
+          </a:p>
+        </p:txBody>
+      </p:sp>
+      <p:sp>
+        <p:nvSpPr>
+          <p:cNvPr id="3" name="Content Placeholder 2"/>
+          <p:cNvSpPr>
+            <a:spLocks noGrp="1"/>
+          </p:cNvSpPr>
+          <p:nvPr>
+            <p:ph idx="1"/>
+          </p:nvPr>
+        </p:nvSpPr>
+        <p:spPr>
+          <a:xfrm>
+            <a:off x="838200" y="1825625"/>
+            <a:ext cx="10734675" cy="4351655"/>
+          </a:xfrm>
+        </p:spPr>
+        <p:txBody>
+          <a:bodyPr>
+            <a:noAutofit/>
+          </a:bodyPr>
+          <a:p>
+            <a:pPr>
+              <a:lnSpc>
+                <a:spcPct val="120000"/>
+              </a:lnSpc>
+              <a:spcAft>
+                <a:spcPts val="0"/>
+              </a:spcAft>
+            </a:pPr>
+            <a:r>
+              <a:rPr lang="en-US" sz="2200"/>
+              <a:t>统计满足样本数如下：</a:t>
+            </a:r>
+            <a:endParaRPr lang="en-US" sz="2200"/>
+          </a:p>
+          <a:p>
+            <a:pPr>
+              <a:lnSpc>
+                <a:spcPct val="120000"/>
+              </a:lnSpc>
+              <a:spcAft>
+                <a:spcPts val="0"/>
+              </a:spcAft>
+            </a:pPr>
+            <a:endParaRPr lang="en-US" sz="2200"/>
+          </a:p>
+          <a:p>
+            <a:pPr>
+              <a:lnSpc>
+                <a:spcPct val="120000"/>
+              </a:lnSpc>
+              <a:spcAft>
+                <a:spcPts val="0"/>
+              </a:spcAft>
+            </a:pPr>
+            <a:endParaRPr lang="en-US" sz="2200"/>
+          </a:p>
+          <a:p>
+            <a:pPr>
+              <a:lnSpc>
+                <a:spcPct val="120000"/>
+              </a:lnSpc>
+              <a:spcAft>
+                <a:spcPts val="0"/>
+              </a:spcAft>
+            </a:pPr>
+            <a:endParaRPr lang="en-US" sz="2200"/>
+          </a:p>
+          <a:p>
+            <a:pPr>
+              <a:lnSpc>
+                <a:spcPct val="120000"/>
+              </a:lnSpc>
+              <a:spcAft>
+                <a:spcPts val="0"/>
+              </a:spcAft>
+            </a:pPr>
+            <a:endParaRPr lang="en-US" sz="2200"/>
+          </a:p>
+          <a:p>
+            <a:pPr>
+              <a:lnSpc>
+                <a:spcPct val="120000"/>
+              </a:lnSpc>
+              <a:spcAft>
+                <a:spcPts val="0"/>
+              </a:spcAft>
+            </a:pPr>
+            <a:endParaRPr lang="en-US" sz="2200"/>
+          </a:p>
+          <a:p>
+            <a:pPr>
+              <a:lnSpc>
+                <a:spcPct val="120000"/>
+              </a:lnSpc>
+              <a:spcAft>
+                <a:spcPts val="0"/>
+              </a:spcAft>
+            </a:pPr>
+            <a:r>
+              <a:rPr lang="en-US" sz="2200"/>
+              <a:t>则p(不帅|嫁) = 3/6 = 1/2 在嫁的条件下，看不帅有多少</a:t>
+            </a:r>
+            <a:endParaRPr lang="en-US" sz="2200"/>
+          </a:p>
+        </p:txBody>
+      </p:sp>
+      <p:pic>
+        <p:nvPicPr>
+          <p:cNvPr id="4" name="Picture 3"/>
+          <p:cNvPicPr>
+            <a:picLocks noChangeAspect="1"/>
+          </p:cNvPicPr>
+          <p:nvPr/>
+        </p:nvPicPr>
+        <p:blipFill>
+          <a:blip r:embed="rId1"/>
+          <a:stretch>
+            <a:fillRect/>
+          </a:stretch>
+        </p:blipFill>
+        <p:spPr>
+          <a:xfrm>
+            <a:off x="2980055" y="2849880"/>
+            <a:ext cx="6231255" cy="1157605"/>
+          </a:xfrm>
+          <a:prstGeom prst="rect">
+            <a:avLst/>
+          </a:prstGeom>
+        </p:spPr>
+      </p:pic>
+    </p:spTree>
+  </p:cSld>
+  <p:clrMapOvr>
+    <a:masterClrMapping/>
+  </p:clrMapOvr>
+  <p:timing>
+    <p:tnLst>
+      <p:par>
+        <p:cTn id="1" dur="indefinite" restart="never" nodeType="tmRoot"/>
+      </p:par>
+    </p:tnLst>
+  </p:timing>
+</p:sld>
+</file>
+
+<file path=ppt/slides/slide11.xml><?xml version="1.0" encoding="utf-8"?>
 <p:sld xmlns:a="http://schemas.openxmlformats.org/drawingml/2006/main" xmlns:r="http://schemas.openxmlformats.org/officeDocument/2006/relationships" xmlns:p="http://schemas.openxmlformats.org/presentationml/2006/main">
   <p:cSld>
     <p:spTree>
@@ -3381,7 +3955,7 @@
 </p:sld>
 </file>
 
-<file path=ppt/slides/slide11.xml><?xml version="1.0" encoding="utf-8"?>
+<file path=ppt/slides/slide12.xml><?xml version="1.0" encoding="utf-8"?>
 <p:sld xmlns:a="http://schemas.openxmlformats.org/drawingml/2006/main" xmlns:r="http://schemas.openxmlformats.org/officeDocument/2006/relationships" xmlns:p="http://schemas.openxmlformats.org/presentationml/2006/main">
   <p:cSld>
     <p:spTree>
@@ -3558,13 +4132,9 @@
             </a:pPr>
             <a:r>
               <a:rPr lang="en-US" altLang="en-US" sz="2200"/>
-              <a:t>p（不帅） = 4/12 = 1/3</a:t>
-            </a:r>
-            <a:r>
-              <a:rPr lang="" altLang="en-US" sz="2200"/>
-              <a:t>; p（性格不好） = 4/12 = 1/3; p（身高矮） = 7/12</a:t>
-            </a:r>
-            <a:endParaRPr lang="" altLang="en-US" sz="2200"/>
+              <a:t>p（不帅） = 4/12 = 1/3; p（性格不好） = 4/12 = 1/3; p（身高矮） = 7/12</a:t>
+            </a:r>
+            <a:endParaRPr lang="en-US" altLang="en-US" sz="2200"/>
           </a:p>
         </p:txBody>
       </p:sp>
@@ -3583,7 +4153,7 @@
 </p:sld>
 </file>
 
-<file path=ppt/slides/slide12.xml><?xml version="1.0" encoding="utf-8"?>
+<file path=ppt/slides/slide13.xml><?xml version="1.0" encoding="utf-8"?>
 <p:sld xmlns:a="http://schemas.openxmlformats.org/drawingml/2006/main" xmlns:r="http://schemas.openxmlformats.org/officeDocument/2006/relationships" xmlns:p="http://schemas.openxmlformats.org/presentationml/2006/main">
   <p:cSld>
     <p:spTree>
@@ -3610,10 +4180,10 @@
           </a:bodyPr>
           <a:p>
             <a:r>
-              <a:rPr lang="" b="1"/>
+              <a:rPr lang="en-US" b="1"/>
               <a:t>求概率</a:t>
             </a:r>
-            <a:endParaRPr lang="" b="1"/>
+            <a:endParaRPr lang="en-US" b="1"/>
           </a:p>
         </p:txBody>
       </p:sp>
@@ -3708,11 +4278,7 @@
             </a:pPr>
             <a:r>
               <a:rPr lang="en-US" altLang="en-US" sz="2200"/>
-              <a:t>        = (1/2*1/6*1/6*1/6*1/2)/(1/3*1/3*7/12*1/3) </a:t>
-            </a:r>
-            <a:r>
-              <a:rPr lang="" altLang="en-US" sz="2200"/>
-              <a:t>= 0.054</a:t>
+              <a:t>        = (1/2*1/6*1/6*1/6*1/2)/(1/3*1/3*7/12*1/3) = 0.054</a:t>
             </a:r>
             <a:endParaRPr lang="en-US" altLang="en-US" sz="2200"/>
           </a:p>
@@ -3779,7 +4345,7 @@
 </p:sld>
 </file>
 
-<file path=ppt/slides/slide13.xml><?xml version="1.0" encoding="utf-8"?>
+<file path=ppt/slides/slide14.xml><?xml version="1.0" encoding="utf-8"?>
 <p:sld xmlns:a="http://schemas.openxmlformats.org/drawingml/2006/main" xmlns:r="http://schemas.openxmlformats.org/officeDocument/2006/relationships" xmlns:p="http://schemas.openxmlformats.org/presentationml/2006/main">
   <p:cSld>
     <p:spTree>
@@ -3806,10 +4372,10 @@
           </a:bodyPr>
           <a:p>
             <a:r>
-              <a:rPr lang="" altLang="en-US" b="1"/>
+              <a:rPr lang="en-US" altLang="en-US" b="1"/>
               <a:t>同理...</a:t>
             </a:r>
-            <a:endParaRPr lang="" altLang="en-US" b="1"/>
+            <a:endParaRPr lang="en-US" altLang="en-US" b="1"/>
           </a:p>
         </p:txBody>
       </p:sp>
@@ -3900,11 +4466,7 @@
             </a:pPr>
             <a:r>
               <a:rPr lang="en-US" altLang="en-US" sz="2200"/>
-              <a:t>        = ((1/6*1/2*1*1/2)*1/2)/(1/3*1/3*7/12*1/3) </a:t>
-            </a:r>
-            <a:r>
-              <a:rPr lang="" altLang="en-US" sz="2200"/>
-              <a:t>= 0.964</a:t>
+              <a:t>        = ((1/6*1/2*1*1/2)*1/2)/(1/3*1/3*7/12*1/3) = 0.964</a:t>
             </a:r>
             <a:endParaRPr lang="en-US" altLang="en-US" sz="2200"/>
           </a:p>
@@ -3931,14 +4493,14 @@
               <a:buNone/>
             </a:pPr>
             <a:r>
-              <a:rPr lang="" altLang="en-US" sz="2200"/>
+              <a:rPr lang="en-US" altLang="en-US" sz="2200"/>
               <a:t>这个概率比上一页的概率大多了。。。 因此，我们预测女生会选择：</a:t>
             </a:r>
             <a:r>
-              <a:rPr lang="" altLang="en-US"/>
+              <a:rPr lang="en-US" altLang="en-US"/>
               <a:t>不嫁！</a:t>
             </a:r>
-            <a:endParaRPr lang="" altLang="en-US"/>
+            <a:endParaRPr lang="en-US" altLang="en-US"/>
           </a:p>
         </p:txBody>
       </p:sp>
@@ -3981,7 +4543,7 @@
 </p:sld>
 </file>
 
-<file path=ppt/slides/slide14.xml><?xml version="1.0" encoding="utf-8"?>
+<file path=ppt/slides/slide15.xml><?xml version="1.0" encoding="utf-8"?>
 <p:sld xmlns:a="http://schemas.openxmlformats.org/drawingml/2006/main" xmlns:r="http://schemas.openxmlformats.org/officeDocument/2006/relationships" xmlns:p="http://schemas.openxmlformats.org/presentationml/2006/main">
   <p:cSld>
     <p:spTree>
@@ -4008,10 +4570,10 @@
           </a:bodyPr>
           <a:p>
             <a:r>
-              <a:rPr lang="" altLang="en-US" b="1"/>
+              <a:rPr lang="en-US" altLang="en-US" b="1"/>
               <a:t>优缺点</a:t>
             </a:r>
-            <a:endParaRPr lang="" altLang="en-US" b="1"/>
+            <a:endParaRPr lang="en-US" altLang="en-US" b="1"/>
           </a:p>
         </p:txBody>
       </p:sp>
@@ -4065,7 +4627,7 @@
               <a:t>（1） 算法逻辑简单</a:t>
             </a:r>
             <a:r>
-              <a:rPr lang="" altLang="en-US" sz="2200"/>
+              <a:rPr lang="en-US" altLang="en-US" sz="2200"/>
               <a:t>，</a:t>
             </a:r>
             <a:r>
@@ -4073,7 +4635,7 @@
               <a:t>易于实现</a:t>
             </a:r>
             <a:r>
-              <a:rPr lang="" altLang="en-US" sz="2200"/>
+              <a:rPr lang="en-US" altLang="en-US" sz="2200"/>
               <a:t>，容易理解。</a:t>
             </a:r>
             <a:endParaRPr lang="en-US" sz="2200"/>
@@ -4093,12 +4655,12 @@
               <a:t>（2）分类过程中</a:t>
             </a:r>
             <a:r>
-              <a:rPr lang="" altLang="en-US" sz="2200"/>
+              <a:rPr lang="en-US" altLang="en-US" sz="2200"/>
               <a:t>空间</a:t>
             </a:r>
             <a:r>
               <a:rPr lang="en-US" sz="2200"/>
-              <a:t>开销小（假设特征相互独立，只会涉及到二维存储）</a:t>
+              <a:t>开销小</a:t>
             </a:r>
             <a:endParaRPr lang="en-US" sz="2200"/>
           </a:p>
@@ -4154,6 +4716,251 @@
               </a:spcAft>
             </a:pPr>
             <a:endParaRPr lang="en-US" sz="2200"/>
+          </a:p>
+        </p:txBody>
+      </p:sp>
+    </p:spTree>
+  </p:cSld>
+  <p:clrMapOvr>
+    <a:masterClrMapping/>
+  </p:clrMapOvr>
+  <p:timing>
+    <p:tnLst>
+      <p:par>
+        <p:cTn id="1" dur="indefinite" restart="never" nodeType="tmRoot"/>
+      </p:par>
+    </p:tnLst>
+  </p:timing>
+</p:sld>
+</file>
+
+<file path=ppt/slides/slide16.xml><?xml version="1.0" encoding="utf-8"?>
+<p:sld xmlns:a="http://schemas.openxmlformats.org/drawingml/2006/main" xmlns:r="http://schemas.openxmlformats.org/officeDocument/2006/relationships" xmlns:p="http://schemas.openxmlformats.org/presentationml/2006/main">
+  <p:cSld>
+    <p:spTree>
+      <p:nvGrpSpPr>
+        <p:cNvPr id="1" name=""/>
+        <p:cNvGrpSpPr/>
+        <p:nvPr/>
+      </p:nvGrpSpPr>
+      <p:grpSpPr/>
+      <p:sp>
+        <p:nvSpPr>
+          <p:cNvPr id="2" name="Title 1"/>
+          <p:cNvSpPr>
+            <a:spLocks noGrp="1"/>
+          </p:cNvSpPr>
+          <p:nvPr>
+            <p:ph type="title"/>
+          </p:nvPr>
+        </p:nvSpPr>
+        <p:spPr/>
+        <p:txBody>
+          <a:bodyPr/>
+          <a:p>
+            <a:r>
+              <a:rPr lang="en-US" altLang="en-US" sz="3600" b="1"/>
+              <a:t>sklearn 实现</a:t>
+            </a:r>
+            <a:endParaRPr lang="en-US" altLang="en-US" sz="3600" b="1">
+              <a:solidFill>
+                <a:srgbClr val="C00000"/>
+              </a:solidFill>
+            </a:endParaRPr>
+          </a:p>
+        </p:txBody>
+      </p:sp>
+      <p:sp>
+        <p:nvSpPr>
+          <p:cNvPr id="5" name="Text Box 4"/>
+          <p:cNvSpPr txBox="1"/>
+          <p:nvPr/>
+        </p:nvSpPr>
+        <p:spPr>
+          <a:xfrm>
+            <a:off x="551815" y="2131695"/>
+            <a:ext cx="11482705" cy="4399915"/>
+          </a:xfrm>
+          <a:prstGeom prst="rect">
+            <a:avLst/>
+          </a:prstGeom>
+          <a:noFill/>
+        </p:spPr>
+        <p:txBody>
+          <a:bodyPr wrap="square" rtlCol="0" anchor="t">
+            <a:spAutoFit/>
+          </a:bodyPr>
+          <a:p>
+            <a:pPr>
+              <a:lnSpc>
+                <a:spcPct val="200000"/>
+              </a:lnSpc>
+            </a:pPr>
+            <a:r>
+              <a:rPr lang="en-US" altLang="en-US" sz="2800" b="1">
+                <a:latin typeface="Asana Math" panose="02000603000000000000" charset="0"/>
+                <a:ea typeface="Asana Math" panose="02000603000000000000" charset="0"/>
+                <a:cs typeface="+mn-lt"/>
+              </a:rPr>
+              <a:t>from sklearn import naive_bayes</a:t>
+            </a:r>
+            <a:endParaRPr lang="en-US" altLang="en-US" sz="2800" b="1">
+              <a:latin typeface="Asana Math" panose="02000603000000000000" charset="0"/>
+              <a:ea typeface="Asana Math" panose="02000603000000000000" charset="0"/>
+              <a:cs typeface="+mn-lt"/>
+            </a:endParaRPr>
+          </a:p>
+          <a:p>
+            <a:pPr>
+              <a:lnSpc>
+                <a:spcPct val="200000"/>
+              </a:lnSpc>
+            </a:pPr>
+            <a:r>
+              <a:rPr lang="en-US" altLang="en-US" sz="2800" b="1">
+                <a:latin typeface="Asana Math" panose="02000603000000000000" charset="0"/>
+                <a:ea typeface="Asana Math" panose="02000603000000000000" charset="0"/>
+                <a:cs typeface="+mn-lt"/>
+              </a:rPr>
+              <a:t>model = naive_bayes.GaussianNB()   </a:t>
+            </a:r>
+            <a:endParaRPr lang="en-US" altLang="en-US" sz="2800" b="1">
+              <a:latin typeface="Asana Math" panose="02000603000000000000" charset="0"/>
+              <a:ea typeface="Asana Math" panose="02000603000000000000" charset="0"/>
+              <a:cs typeface="+mn-lt"/>
+            </a:endParaRPr>
+          </a:p>
+          <a:p>
+            <a:pPr>
+              <a:lnSpc>
+                <a:spcPct val="200000"/>
+              </a:lnSpc>
+            </a:pPr>
+            <a:r>
+              <a:rPr lang="en-US" altLang="en-US" sz="2800" b="1">
+                <a:latin typeface="Asana Math" panose="02000603000000000000" charset="0"/>
+                <a:ea typeface="Asana Math" panose="02000603000000000000" charset="0"/>
+                <a:cs typeface="+mn-lt"/>
+              </a:rPr>
+              <a:t># 高斯</a:t>
+            </a:r>
+            <a:r>
+              <a:rPr lang="" altLang="en-US" sz="2800" b="1">
+                <a:latin typeface="Asana Math" panose="02000603000000000000" charset="0"/>
+                <a:ea typeface="Asana Math" panose="02000603000000000000" charset="0"/>
+                <a:cs typeface="+mn-lt"/>
+              </a:rPr>
+              <a:t>朴素贝叶斯</a:t>
+            </a:r>
+            <a:r>
+              <a:rPr lang="en-US" altLang="en-US" sz="2800" b="1">
+                <a:latin typeface="Asana Math" panose="02000603000000000000" charset="0"/>
+                <a:ea typeface="Asana Math" panose="02000603000000000000" charset="0"/>
+                <a:cs typeface="+mn-lt"/>
+              </a:rPr>
+              <a:t>，</a:t>
+            </a:r>
+            <a:r>
+              <a:rPr lang="" altLang="en-US" sz="2800" b="1">
+                <a:latin typeface="Asana Math" panose="02000603000000000000" charset="0"/>
+                <a:ea typeface="Asana Math" panose="02000603000000000000" charset="0"/>
+                <a:cs typeface="+mn-lt"/>
+              </a:rPr>
+              <a:t>进行</a:t>
+            </a:r>
+            <a:r>
+              <a:rPr lang="en-US" altLang="en-US" sz="2800" b="1">
+                <a:latin typeface="Asana Math" panose="02000603000000000000" charset="0"/>
+                <a:ea typeface="Asana Math" panose="02000603000000000000" charset="0"/>
+                <a:cs typeface="+mn-lt"/>
+              </a:rPr>
+              <a:t>概率计算时</a:t>
+            </a:r>
+            <a:r>
+              <a:rPr lang="" altLang="en-US" sz="2800" b="1">
+                <a:latin typeface="Asana Math" panose="02000603000000000000" charset="0"/>
+                <a:ea typeface="Asana Math" panose="02000603000000000000" charset="0"/>
+                <a:cs typeface="+mn-lt"/>
+              </a:rPr>
+              <a:t>，</a:t>
+            </a:r>
+            <a:r>
+              <a:rPr lang="en-US" altLang="en-US" sz="2800" b="1">
+                <a:latin typeface="Asana Math" panose="02000603000000000000" charset="0"/>
+                <a:ea typeface="Asana Math" panose="02000603000000000000" charset="0"/>
+                <a:cs typeface="+mn-lt"/>
+              </a:rPr>
+              <a:t>作</a:t>
+            </a:r>
+            <a:r>
+              <a:rPr lang="" altLang="en-US" sz="2800" b="1">
+                <a:latin typeface="Asana Math" panose="02000603000000000000" charset="0"/>
+                <a:ea typeface="Asana Math" panose="02000603000000000000" charset="0"/>
+                <a:cs typeface="+mn-lt"/>
+              </a:rPr>
+              <a:t>“</a:t>
+            </a:r>
+            <a:r>
+              <a:rPr lang="en-US" altLang="en-US" sz="2800" b="1">
+                <a:latin typeface="Asana Math" panose="02000603000000000000" charset="0"/>
+                <a:ea typeface="Asana Math" panose="02000603000000000000" charset="0"/>
+                <a:cs typeface="+mn-lt"/>
+              </a:rPr>
+              <a:t>特征变量服从高斯分布</a:t>
+            </a:r>
+            <a:r>
+              <a:rPr lang="" altLang="en-US" sz="2800" b="1">
+                <a:latin typeface="Asana Math" panose="02000603000000000000" charset="0"/>
+                <a:ea typeface="Asana Math" panose="02000603000000000000" charset="0"/>
+                <a:cs typeface="+mn-lt"/>
+              </a:rPr>
+              <a:t>”</a:t>
+            </a:r>
+            <a:r>
+              <a:rPr lang="en-US" altLang="en-US" sz="2800" b="1">
+                <a:latin typeface="Asana Math" panose="02000603000000000000" charset="0"/>
+                <a:ea typeface="Asana Math" panose="02000603000000000000" charset="0"/>
+                <a:cs typeface="+mn-lt"/>
+              </a:rPr>
+              <a:t>的简单</a:t>
+            </a:r>
+            <a:r>
+              <a:rPr lang="en-US" altLang="en-US" sz="2800" b="1">
+                <a:latin typeface="Asana Math" panose="02000603000000000000" charset="0"/>
+                <a:ea typeface="Asana Math" panose="02000603000000000000" charset="0"/>
+                <a:cs typeface="+mn-lt"/>
+                <a:sym typeface="+mn-ea"/>
+              </a:rPr>
+              <a:t>假设处理</a:t>
+            </a:r>
+            <a:endParaRPr lang="en-US" altLang="en-US" sz="2800" b="1">
+              <a:latin typeface="Asana Math" panose="02000603000000000000" charset="0"/>
+              <a:ea typeface="Asana Math" panose="02000603000000000000" charset="0"/>
+              <a:cs typeface="+mn-lt"/>
+              <a:sym typeface="+mn-ea"/>
+            </a:endParaRPr>
+          </a:p>
+          <a:p>
+            <a:pPr>
+              <a:lnSpc>
+                <a:spcPct val="200000"/>
+              </a:lnSpc>
+            </a:pPr>
+            <a:r>
+              <a:rPr lang="" altLang="en-US" sz="2800" b="1">
+                <a:latin typeface="Asana Math" panose="02000603000000000000" charset="0"/>
+                <a:ea typeface="Asana Math" panose="02000603000000000000" charset="0"/>
+                <a:cs typeface="+mn-lt"/>
+                <a:sym typeface="+mn-ea"/>
+              </a:rPr>
+              <a:t>作业：加上NB，继续测试比较</a:t>
+            </a:r>
+            <a:endParaRPr lang="" altLang="en-US" sz="2800" b="1">
+              <a:latin typeface="Asana Math" panose="02000603000000000000" charset="0"/>
+              <a:ea typeface="Asana Math" panose="02000603000000000000" charset="0"/>
+              <a:cs typeface="+mn-lt"/>
+              <a:sym typeface="+mn-ea"/>
+            </a:endParaRPr>
           </a:p>
         </p:txBody>
       </p:sp>
@@ -4975,95 +5782,139 @@
       <p:grpSpPr/>
       <p:sp>
         <p:nvSpPr>
-          <p:cNvPr id="5" name="Title 30"/>
-          <p:cNvSpPr>
-            <a:spLocks noGrp="1"/>
-          </p:cNvSpPr>
+          <p:cNvPr id="2" name="Title 1"/>
+          <p:cNvSpPr>
+            <a:spLocks noGrp="1"/>
+          </p:cNvSpPr>
+          <p:nvPr>
+            <p:ph type="title"/>
+          </p:nvPr>
+        </p:nvSpPr>
+        <p:spPr/>
+        <p:txBody>
+          <a:bodyPr/>
+          <a:p>
+            <a:r>
+              <a:rPr lang="en-US" altLang="en-US" b="1"/>
+              <a:t>朴素贝叶斯（Naieve Bayes）</a:t>
+            </a:r>
+            <a:endParaRPr lang="en-US" altLang="en-US" b="1"/>
+          </a:p>
+        </p:txBody>
+      </p:sp>
+      <p:sp>
+        <p:nvSpPr>
+          <p:cNvPr id="5" name="Text Box 4"/>
+          <p:cNvSpPr txBox="1"/>
           <p:nvPr/>
         </p:nvSpPr>
         <p:spPr>
           <a:xfrm>
-            <a:off x="1608455" y="-172085"/>
-            <a:ext cx="9160510" cy="2387600"/>
+            <a:off x="8001000" y="3679190"/>
+            <a:ext cx="3863340" cy="1630045"/>
           </a:xfrm>
           <a:prstGeom prst="rect">
             <a:avLst/>
           </a:prstGeom>
+          <a:noFill/>
         </p:spPr>
         <p:txBody>
-          <a:bodyPr vert="horz" lIns="91440" tIns="45720" rIns="91440" bIns="45720" rtlCol="0" anchor="b">
-            <a:noAutofit/>
+          <a:bodyPr wrap="square" rtlCol="0">
+            <a:spAutoFit/>
           </a:bodyPr>
-          <a:lstStyle>
-            <a:lvl1pPr algn="ctr" defTabSz="914400" rtl="0" eaLnBrk="1" latinLnBrk="0" hangingPunct="1">
-              <a:lnSpc>
-                <a:spcPct val="90000"/>
-              </a:lnSpc>
-              <a:spcBef>
-                <a:spcPct val="0"/>
-              </a:spcBef>
-              <a:buNone/>
-              <a:defRPr sz="6000" kern="1200">
+          <a:p>
+            <a:pPr algn="ctr"/>
+            <a:r>
+              <a:rPr lang="en-US" altLang="en-US" sz="2000" b="1">
                 <a:solidFill>
-                  <a:schemeClr val="tx1"/>
+                  <a:srgbClr val="C00000"/>
                 </a:solidFill>
-                <a:latin typeface="+mj-lt"/>
-                <a:ea typeface="+mj-ea"/>
-                <a:cs typeface="+mj-cs"/>
-              </a:defRPr>
-            </a:lvl1pPr>
-          </a:lstStyle>
-          <a:p>
-            <a:pPr>
-              <a:lnSpc>
-                <a:spcPct val="150000"/>
-              </a:lnSpc>
-            </a:pPr>
-            <a:r>
-              <a:rPr lang="en-US" altLang="en-US" sz="6600" b="1">
+              </a:rPr>
+              <a:t>我查了中大过去三年的资料，有100</a:t>
+            </a:r>
+            <a:r>
+              <a:rPr lang="" altLang="en-US" sz="2000" b="1">
                 <a:solidFill>
-                  <a:schemeClr val="tx1"/>
+                  <a:srgbClr val="C00000"/>
                 </a:solidFill>
-                <a:effectLst>
-                  <a:glow rad="228600">
-                    <a:schemeClr val="accent4">
-                      <a:satMod val="175000"/>
-                      <a:alpha val="40000"/>
-                    </a:schemeClr>
-                  </a:glow>
-                  <a:outerShdw blurRad="38100" dist="19050" dir="2700000" algn="tl" rotWithShape="0">
-                    <a:schemeClr val="dk1">
-                      <a:alpha val="40000"/>
-                    </a:schemeClr>
-                  </a:outerShdw>
-                </a:effectLst>
               </a:rPr>
-              <a:t>梯度提升</a:t>
-            </a:r>
-            <a:endParaRPr lang="en-US" altLang="en-US" sz="6600" b="1">
+              <a:t>个</a:t>
+            </a:r>
+            <a:r>
+              <a:rPr lang="en-US" altLang="en-US" sz="2000" b="1">
+                <a:solidFill>
+                  <a:srgbClr val="C00000"/>
+                </a:solidFill>
+              </a:rPr>
+              <a:t>生活习惯跟你相似的渣男，只有3个成功找到女朋友。</a:t>
+            </a:r>
+            <a:endParaRPr lang="en-US" altLang="en-US" sz="2000" b="1">
               <a:solidFill>
-                <a:schemeClr val="tx1"/>
+                <a:srgbClr val="C00000"/>
               </a:solidFill>
-              <a:effectLst>
-                <a:glow rad="228600">
-                  <a:schemeClr val="accent4">
-                    <a:satMod val="175000"/>
-                    <a:alpha val="40000"/>
-                  </a:schemeClr>
-                </a:glow>
-                <a:outerShdw blurRad="38100" dist="19050" dir="2700000" algn="tl" rotWithShape="0">
-                  <a:schemeClr val="dk1">
-                    <a:alpha val="40000"/>
-                  </a:schemeClr>
-                </a:outerShdw>
-              </a:effectLst>
+            </a:endParaRPr>
+          </a:p>
+          <a:p>
+            <a:pPr algn="ctr"/>
+            <a:endParaRPr lang="en-US" altLang="en-US" sz="2000" b="1">
+              <a:solidFill>
+                <a:srgbClr val="C00000"/>
+              </a:solidFill>
+            </a:endParaRPr>
+          </a:p>
+          <a:p>
+            <a:pPr algn="ctr"/>
+            <a:r>
+              <a:rPr lang="en-US" altLang="en-US" sz="2000" b="1">
+                <a:solidFill>
+                  <a:srgbClr val="C00000"/>
+                </a:solidFill>
+              </a:rPr>
+              <a:t>所以我预测</a:t>
+            </a:r>
+            <a:r>
+              <a:rPr lang="" altLang="en-US" sz="2000" b="1">
+                <a:solidFill>
+                  <a:srgbClr val="C00000"/>
+                </a:solidFill>
+              </a:rPr>
+              <a:t>你们</a:t>
+            </a:r>
+            <a:r>
+              <a:rPr lang="en-US" altLang="en-US" sz="2000" b="1">
+                <a:solidFill>
+                  <a:srgbClr val="C00000"/>
+                </a:solidFill>
+              </a:rPr>
+              <a:t>的概率</a:t>
+            </a:r>
+            <a:r>
+              <a:rPr lang="" altLang="en-US" sz="2000" b="1">
+                <a:solidFill>
+                  <a:srgbClr val="C00000"/>
+                </a:solidFill>
+              </a:rPr>
+              <a:t>为</a:t>
+            </a:r>
+            <a:r>
+              <a:rPr lang="en-US" altLang="en-US" sz="2000" b="1">
+                <a:solidFill>
+                  <a:srgbClr val="C00000"/>
+                </a:solidFill>
+              </a:rPr>
+              <a:t>3%</a:t>
+            </a:r>
+            <a:endParaRPr lang="en-US" altLang="en-US" sz="2000" b="1">
+              <a:solidFill>
+                <a:srgbClr val="C00000"/>
+              </a:solidFill>
             </a:endParaRPr>
           </a:p>
         </p:txBody>
       </p:sp>
       <p:pic>
         <p:nvPicPr>
-          <p:cNvPr id="3" name="Picture 2"/>
+          <p:cNvPr id="7" name="Picture 6"/>
           <p:cNvPicPr>
             <a:picLocks noChangeAspect="1"/>
           </p:cNvPicPr>
@@ -5071,14 +5922,15 @@
         </p:nvPicPr>
         <p:blipFill>
           <a:blip r:embed="rId1"/>
+          <a:srcRect b="13688"/>
           <a:stretch>
             <a:fillRect/>
           </a:stretch>
         </p:blipFill>
         <p:spPr>
           <a:xfrm>
-            <a:off x="3774440" y="2546350"/>
-            <a:ext cx="4979670" cy="3735070"/>
+            <a:off x="9058275" y="1691005"/>
+            <a:ext cx="2065020" cy="1597660"/>
           </a:xfrm>
           <a:prstGeom prst="rect">
             <a:avLst/>
@@ -5090,6 +5942,16 @@
   <p:clrMapOvr>
     <a:masterClrMapping/>
   </p:clrMapOvr>
+  <p:timing>
+    <p:tnLst>
+      <p:par>
+        <p:cTn id="1" dur="indefinite" restart="never" nodeType="tmRoot"/>
+      </p:par>
+    </p:tnLst>
+    <p:bldLst>
+      <p:bldP spid="5" grpId="1"/>
+    </p:bldLst>
+  </p:timing>
 </p:sld>
 </file>
 
@@ -5118,10 +5980,10 @@
           <a:bodyPr/>
           <a:p>
             <a:r>
-              <a:rPr lang="" altLang="en-US" b="1"/>
+              <a:rPr lang="en-US" altLang="en-US" b="1"/>
               <a:t>朴素贝叶斯（Naieve Bayes）</a:t>
             </a:r>
-            <a:endParaRPr lang="" altLang="en-US" b="1"/>
+            <a:endParaRPr lang="en-US" altLang="en-US" b="1"/>
           </a:p>
         </p:txBody>
       </p:sp>
@@ -5155,10 +6017,10 @@
               </a:spcAft>
             </a:pPr>
             <a:r>
-              <a:rPr lang="" sz="2200"/>
+              <a:rPr lang="en-US" sz="2200"/>
               <a:t>该算法的核心是贝叶斯公式</a:t>
             </a:r>
-            <a:endParaRPr lang="" sz="2200"/>
+            <a:endParaRPr lang="en-US" sz="2200"/>
           </a:p>
           <a:p>
             <a:pPr>
@@ -5169,7 +6031,7 @@
                 <a:spcPts val="0"/>
               </a:spcAft>
             </a:pPr>
-            <a:endParaRPr lang="" altLang="en-US" sz="2200"/>
+            <a:endParaRPr lang="en-US" altLang="en-US" sz="2200"/>
           </a:p>
           <a:p>
             <a:pPr>
@@ -5202,10 +6064,6 @@
                 <a:spcPts val="0"/>
               </a:spcAft>
             </a:pPr>
-            <a:r>
-              <a:rPr lang="" sz="2200"/>
-              <a:t>应用到机器学习的场景，就是</a:t>
-            </a:r>
             <a:endParaRPr altLang="en-US" sz="2200" b="1"/>
           </a:p>
         </p:txBody>
@@ -5218,8 +6076,8 @@
         </p:nvSpPr>
         <p:spPr>
           <a:xfrm>
-            <a:off x="8131810" y="3679190"/>
-            <a:ext cx="3221990" cy="1198880"/>
+            <a:off x="8001000" y="3679190"/>
+            <a:ext cx="3863340" cy="1630045"/>
           </a:xfrm>
           <a:prstGeom prst="rect">
             <a:avLst/>
@@ -5233,14 +6091,334 @@
           <a:p>
             <a:pPr algn="ctr"/>
             <a:r>
-              <a:rPr lang="en-US" altLang="en-US" sz="2400" b="1">
+              <a:rPr lang="" altLang="en-US" sz="2000" b="1">
                 <a:solidFill>
                   <a:srgbClr val="C00000"/>
                 </a:solidFill>
               </a:rPr>
-              <a:t>民主集中制是党的根本组织原则和领导制度。</a:t>
-            </a:r>
-            <a:endParaRPr lang="en-US" altLang="en-US" sz="2400" b="1">
+              <a:t>我查了中大过去三年的资料，有100个生活习惯跟你相似的渣男，只有3个成功找到女朋友。</a:t>
+            </a:r>
+            <a:endParaRPr lang="" altLang="en-US" sz="2000" b="1">
+              <a:solidFill>
+                <a:srgbClr val="C00000"/>
+              </a:solidFill>
+            </a:endParaRPr>
+          </a:p>
+          <a:p>
+            <a:pPr algn="ctr"/>
+            <a:endParaRPr lang="" altLang="en-US" sz="2000" b="1">
+              <a:solidFill>
+                <a:srgbClr val="C00000"/>
+              </a:solidFill>
+            </a:endParaRPr>
+          </a:p>
+          <a:p>
+            <a:pPr algn="ctr"/>
+            <a:r>
+              <a:rPr lang="" altLang="en-US" sz="2000" b="1">
+                <a:solidFill>
+                  <a:srgbClr val="C00000"/>
+                </a:solidFill>
+              </a:rPr>
+              <a:t>所以我预测</a:t>
+            </a:r>
+            <a:r>
+              <a:rPr lang="en-US" altLang="en-US" sz="2000" b="1">
+                <a:solidFill>
+                  <a:srgbClr val="C00000"/>
+                </a:solidFill>
+                <a:sym typeface="+mn-ea"/>
+              </a:rPr>
+              <a:t>你们</a:t>
+            </a:r>
+            <a:r>
+              <a:rPr lang="" altLang="en-US" sz="2000" b="1">
+                <a:solidFill>
+                  <a:srgbClr val="C00000"/>
+                </a:solidFill>
+              </a:rPr>
+              <a:t>的概率为3%</a:t>
+            </a:r>
+            <a:endParaRPr lang="" altLang="en-US" sz="2000" b="1">
+              <a:solidFill>
+                <a:srgbClr val="C00000"/>
+              </a:solidFill>
+            </a:endParaRPr>
+          </a:p>
+        </p:txBody>
+      </p:sp>
+      <p:pic>
+        <p:nvPicPr>
+          <p:cNvPr id="7" name="Picture 6"/>
+          <p:cNvPicPr>
+            <a:picLocks noChangeAspect="1"/>
+          </p:cNvPicPr>
+          <p:nvPr/>
+        </p:nvPicPr>
+        <p:blipFill>
+          <a:blip r:embed="rId1"/>
+          <a:srcRect b="13688"/>
+          <a:stretch>
+            <a:fillRect/>
+          </a:stretch>
+        </p:blipFill>
+        <p:spPr>
+          <a:xfrm>
+            <a:off x="9058275" y="1691005"/>
+            <a:ext cx="2065020" cy="1597660"/>
+          </a:xfrm>
+          <a:prstGeom prst="rect">
+            <a:avLst/>
+          </a:prstGeom>
+        </p:spPr>
+      </p:pic>
+      <p:pic>
+        <p:nvPicPr>
+          <p:cNvPr id="4" name="Picture 3"/>
+          <p:cNvPicPr>
+            <a:picLocks noChangeAspect="1"/>
+          </p:cNvPicPr>
+          <p:nvPr/>
+        </p:nvPicPr>
+        <p:blipFill>
+          <a:blip r:embed="rId2"/>
+          <a:stretch>
+            <a:fillRect/>
+          </a:stretch>
+        </p:blipFill>
+        <p:spPr>
+          <a:xfrm>
+            <a:off x="3005455" y="2698750"/>
+            <a:ext cx="3865245" cy="1132840"/>
+          </a:xfrm>
+          <a:prstGeom prst="rect">
+            <a:avLst/>
+          </a:prstGeom>
+        </p:spPr>
+      </p:pic>
+    </p:spTree>
+  </p:cSld>
+  <p:clrMapOvr>
+    <a:masterClrMapping/>
+  </p:clrMapOvr>
+  <p:timing>
+    <p:tnLst>
+      <p:par>
+        <p:cTn id="1" dur="indefinite" restart="never" nodeType="tmRoot"/>
+      </p:par>
+    </p:tnLst>
+    <p:bldLst>
+      <p:bldP spid="5" grpId="1"/>
+    </p:bldLst>
+  </p:timing>
+</p:sld>
+</file>
+
+<file path=ppt/slides/slide5.xml><?xml version="1.0" encoding="utf-8"?>
+<p:sld xmlns:a="http://schemas.openxmlformats.org/drawingml/2006/main" xmlns:r="http://schemas.openxmlformats.org/officeDocument/2006/relationships" xmlns:p="http://schemas.openxmlformats.org/presentationml/2006/main">
+  <p:cSld>
+    <p:spTree>
+      <p:nvGrpSpPr>
+        <p:cNvPr id="1" name=""/>
+        <p:cNvGrpSpPr/>
+        <p:nvPr/>
+      </p:nvGrpSpPr>
+      <p:grpSpPr/>
+      <p:sp>
+        <p:nvSpPr>
+          <p:cNvPr id="2" name="Title 1"/>
+          <p:cNvSpPr>
+            <a:spLocks noGrp="1"/>
+          </p:cNvSpPr>
+          <p:nvPr>
+            <p:ph type="title"/>
+          </p:nvPr>
+        </p:nvSpPr>
+        <p:spPr/>
+        <p:txBody>
+          <a:bodyPr/>
+          <a:p>
+            <a:r>
+              <a:rPr lang="en-US" altLang="en-US" b="1"/>
+              <a:t>朴素贝叶斯（Naieve Bayes）</a:t>
+            </a:r>
+            <a:endParaRPr lang="en-US" altLang="en-US" b="1"/>
+          </a:p>
+        </p:txBody>
+      </p:sp>
+      <p:sp>
+        <p:nvSpPr>
+          <p:cNvPr id="3" name="Content Placeholder 2"/>
+          <p:cNvSpPr>
+            <a:spLocks noGrp="1"/>
+          </p:cNvSpPr>
+          <p:nvPr>
+            <p:ph idx="1"/>
+          </p:nvPr>
+        </p:nvSpPr>
+        <p:spPr>
+          <a:xfrm>
+            <a:off x="838200" y="1825625"/>
+            <a:ext cx="7162165" cy="4351655"/>
+          </a:xfrm>
+        </p:spPr>
+        <p:txBody>
+          <a:bodyPr>
+            <a:noAutofit/>
+          </a:bodyPr>
+          <a:p>
+            <a:pPr>
+              <a:lnSpc>
+                <a:spcPct val="120000"/>
+              </a:lnSpc>
+              <a:spcAft>
+                <a:spcPts val="0"/>
+              </a:spcAft>
+            </a:pPr>
+            <a:r>
+              <a:rPr lang="en-US" sz="2200"/>
+              <a:t>该算法的核心是贝叶斯公式</a:t>
+            </a:r>
+            <a:endParaRPr lang="en-US" sz="2200"/>
+          </a:p>
+          <a:p>
+            <a:pPr>
+              <a:lnSpc>
+                <a:spcPct val="120000"/>
+              </a:lnSpc>
+              <a:spcAft>
+                <a:spcPts val="0"/>
+              </a:spcAft>
+            </a:pPr>
+            <a:endParaRPr lang="en-US" altLang="en-US" sz="2200"/>
+          </a:p>
+          <a:p>
+            <a:pPr>
+              <a:lnSpc>
+                <a:spcPct val="120000"/>
+              </a:lnSpc>
+              <a:spcAft>
+                <a:spcPts val="0"/>
+              </a:spcAft>
+            </a:pPr>
+            <a:endParaRPr altLang="en-US" sz="2200"/>
+          </a:p>
+          <a:p>
+            <a:pPr>
+              <a:lnSpc>
+                <a:spcPct val="120000"/>
+              </a:lnSpc>
+              <a:spcAft>
+                <a:spcPts val="0"/>
+              </a:spcAft>
+            </a:pPr>
+            <a:endParaRPr altLang="en-US" sz="2200"/>
+          </a:p>
+          <a:p>
+            <a:pPr>
+              <a:lnSpc>
+                <a:spcPct val="120000"/>
+              </a:lnSpc>
+              <a:spcAft>
+                <a:spcPts val="0"/>
+              </a:spcAft>
+            </a:pPr>
+            <a:r>
+              <a:rPr lang="en-US" sz="2200"/>
+              <a:t>应用到机器学习的场景，就是</a:t>
+            </a:r>
+            <a:endParaRPr altLang="en-US" sz="2200" b="1"/>
+          </a:p>
+        </p:txBody>
+      </p:sp>
+      <p:sp>
+        <p:nvSpPr>
+          <p:cNvPr id="5" name="Text Box 4"/>
+          <p:cNvSpPr txBox="1"/>
+          <p:nvPr/>
+        </p:nvSpPr>
+        <p:spPr>
+          <a:xfrm>
+            <a:off x="8001000" y="3679190"/>
+            <a:ext cx="3863340" cy="1630045"/>
+          </a:xfrm>
+          <a:prstGeom prst="rect">
+            <a:avLst/>
+          </a:prstGeom>
+          <a:noFill/>
+        </p:spPr>
+        <p:txBody>
+          <a:bodyPr wrap="square" rtlCol="0">
+            <a:spAutoFit/>
+          </a:bodyPr>
+          <a:p>
+            <a:pPr algn="ctr"/>
+            <a:r>
+              <a:rPr lang="en-US" altLang="en-US" sz="2000" b="1">
+                <a:solidFill>
+                  <a:srgbClr val="C00000"/>
+                </a:solidFill>
+              </a:rPr>
+              <a:t>我查了中大过去三年的资料，有100</a:t>
+            </a:r>
+            <a:r>
+              <a:rPr lang="" altLang="en-US" sz="2000" b="1">
+                <a:solidFill>
+                  <a:srgbClr val="C00000"/>
+                </a:solidFill>
+              </a:rPr>
+              <a:t>个</a:t>
+            </a:r>
+            <a:r>
+              <a:rPr lang="en-US" altLang="en-US" sz="2000" b="1">
+                <a:solidFill>
+                  <a:srgbClr val="C00000"/>
+                </a:solidFill>
+              </a:rPr>
+              <a:t>生活习惯跟你相似的渣男，只有3个成功找到女朋友。</a:t>
+            </a:r>
+            <a:endParaRPr lang="en-US" altLang="en-US" sz="2000" b="1">
+              <a:solidFill>
+                <a:srgbClr val="C00000"/>
+              </a:solidFill>
+            </a:endParaRPr>
+          </a:p>
+          <a:p>
+            <a:pPr algn="ctr"/>
+            <a:endParaRPr lang="en-US" altLang="en-US" sz="2000" b="1">
+              <a:solidFill>
+                <a:srgbClr val="C00000"/>
+              </a:solidFill>
+            </a:endParaRPr>
+          </a:p>
+          <a:p>
+            <a:pPr algn="ctr"/>
+            <a:r>
+              <a:rPr lang="en-US" altLang="en-US" sz="2000" b="1">
+                <a:solidFill>
+                  <a:srgbClr val="C00000"/>
+                </a:solidFill>
+              </a:rPr>
+              <a:t>所以我预测</a:t>
+            </a:r>
+            <a:r>
+              <a:rPr lang="en-US" altLang="en-US" sz="2000" b="1">
+                <a:solidFill>
+                  <a:srgbClr val="C00000"/>
+                </a:solidFill>
+                <a:sym typeface="+mn-ea"/>
+              </a:rPr>
+              <a:t>你们</a:t>
+            </a:r>
+            <a:r>
+              <a:rPr lang="en-US" altLang="en-US" sz="2000" b="1">
+                <a:solidFill>
+                  <a:srgbClr val="C00000"/>
+                </a:solidFill>
+              </a:rPr>
+              <a:t>的概率为3%</a:t>
+            </a:r>
+            <a:endParaRPr lang="en-US" altLang="en-US" sz="2000" b="1">
               <a:solidFill>
                 <a:srgbClr val="C00000"/>
               </a:solidFill>
@@ -5329,128 +6507,7 @@
   <p:timing>
     <p:tnLst>
       <p:par>
-        <p:cTn id="1" dur="indefinite" restart="never" nodeType="tmRoot">
-          <p:childTnLst>
-            <p:seq concurrent="1" nextAc="seek">
-              <p:cTn id="2" dur="indefinite" nodeType="mainSeq">
-                <p:childTnLst>
-                  <p:par>
-                    <p:cTn id="3" fill="hold">
-                      <p:stCondLst>
-                        <p:cond delay="indefinite"/>
-                      </p:stCondLst>
-                      <p:childTnLst>
-                        <p:par>
-                          <p:cTn id="4" fill="hold">
-                            <p:stCondLst>
-                              <p:cond delay="0"/>
-                            </p:stCondLst>
-                            <p:childTnLst>
-                              <p:par>
-                                <p:cTn id="5" presetID="1" presetClass="entr" presetSubtype="0" fill="hold" nodeType="clickEffect">
-                                  <p:stCondLst>
-                                    <p:cond delay="0"/>
-                                  </p:stCondLst>
-                                  <p:childTnLst>
-                                    <p:set>
-                                      <p:cBhvr>
-                                        <p:cTn id="6" dur="1" fill="hold">
-                                          <p:stCondLst>
-                                            <p:cond delay="0"/>
-                                          </p:stCondLst>
-                                        </p:cTn>
-                                        <p:tgtEl>
-                                          <p:spTgt spid="3">
-                                            <p:txEl>
-                                              <p:pRg st="0" end="0"/>
-                                            </p:txEl>
-                                          </p:spTgt>
-                                        </p:tgtEl>
-                                        <p:attrNameLst>
-                                          <p:attrName>style.visibility</p:attrName>
-                                        </p:attrNameLst>
-                                      </p:cBhvr>
-                                      <p:to>
-                                        <p:strVal val="visible"/>
-                                      </p:to>
-                                    </p:set>
-                                  </p:childTnLst>
-                                </p:cTn>
-                              </p:par>
-                            </p:childTnLst>
-                          </p:cTn>
-                        </p:par>
-                      </p:childTnLst>
-                    </p:cTn>
-                  </p:par>
-                  <p:par>
-                    <p:cTn id="7" fill="hold">
-                      <p:stCondLst>
-                        <p:cond delay="indefinite"/>
-                      </p:stCondLst>
-                      <p:childTnLst>
-                        <p:par>
-                          <p:cTn id="8" fill="hold">
-                            <p:stCondLst>
-                              <p:cond delay="0"/>
-                            </p:stCondLst>
-                            <p:childTnLst>
-                              <p:par>
-                                <p:cTn id="9" presetID="1" presetClass="entr" presetSubtype="0" fill="hold" nodeType="clickEffect">
-                                  <p:stCondLst>
-                                    <p:cond delay="0"/>
-                                  </p:stCondLst>
-                                  <p:childTnLst>
-                                    <p:set>
-                                      <p:cBhvr>
-                                        <p:cTn id="10" dur="1" fill="hold">
-                                          <p:stCondLst>
-                                            <p:cond delay="0"/>
-                                          </p:stCondLst>
-                                        </p:cTn>
-                                        <p:tgtEl>
-                                          <p:spTgt spid="3">
-                                            <p:txEl>
-                                              <p:pRg st="4" end="4"/>
-                                            </p:txEl>
-                                          </p:spTgt>
-                                        </p:tgtEl>
-                                        <p:attrNameLst>
-                                          <p:attrName>style.visibility</p:attrName>
-                                        </p:attrNameLst>
-                                      </p:cBhvr>
-                                      <p:to>
-                                        <p:strVal val="visible"/>
-                                      </p:to>
-                                    </p:set>
-                                  </p:childTnLst>
-                                </p:cTn>
-                              </p:par>
-                            </p:childTnLst>
-                          </p:cTn>
-                        </p:par>
-                      </p:childTnLst>
-                    </p:cTn>
-                  </p:par>
-                </p:childTnLst>
-              </p:cTn>
-              <p:prevCondLst>
-                <p:cond evt="onPrev" delay="0">
-                  <p:tgtEl>
-                    <p:sldTgt/>
-                  </p:tgtEl>
-                </p:cond>
-              </p:prevCondLst>
-              <p:nextCondLst>
-                <p:cond evt="onNext" delay="0">
-                  <p:tgtEl>
-                    <p:sldTgt/>
-                  </p:tgtEl>
-                </p:cond>
-              </p:nextCondLst>
-            </p:seq>
-          </p:childTnLst>
-        </p:cTn>
+        <p:cTn id="1" dur="indefinite" restart="never" nodeType="tmRoot"/>
       </p:par>
     </p:tnLst>
     <p:bldLst>
@@ -5460,7 +6517,7 @@
 </p:sld>
 </file>
 
-<file path=ppt/slides/slide5.xml><?xml version="1.0" encoding="utf-8"?>
+<file path=ppt/slides/slide6.xml><?xml version="1.0" encoding="utf-8"?>
 <p:sld xmlns:a="http://schemas.openxmlformats.org/drawingml/2006/main" xmlns:r="http://schemas.openxmlformats.org/officeDocument/2006/relationships" xmlns:p="http://schemas.openxmlformats.org/presentationml/2006/main">
   <p:cSld>
     <p:spTree>
@@ -5485,10 +6542,10 @@
           <a:bodyPr/>
           <a:p>
             <a:r>
-              <a:rPr lang="" altLang="en-US" b="1"/>
+              <a:rPr lang="en-US" altLang="en-US" b="1"/>
               <a:t>下面给出例子问题：</a:t>
             </a:r>
-            <a:endParaRPr lang="" altLang="en-US" b="1"/>
+            <a:endParaRPr lang="en-US" altLang="en-US" b="1"/>
           </a:p>
         </p:txBody>
       </p:sp>
@@ -5599,7 +6656,7 @@
               </a:spcAft>
             </a:pPr>
             <a:r>
-              <a:rPr lang="" altLang="en-US" sz="2200"/>
+              <a:rPr lang="en-US" altLang="en-US" sz="2200"/>
               <a:t>基于以上数据，问：有</a:t>
             </a:r>
             <a:r>
@@ -5607,7 +6664,7 @@
               <a:t>一对男女朋友，男生</a:t>
             </a:r>
             <a:r>
-              <a:rPr lang="" altLang="en-US" sz="2200"/>
+              <a:rPr lang="en-US" altLang="en-US" sz="2200"/>
               <a:t>向</a:t>
             </a:r>
             <a:r>
@@ -5615,7 +6672,7 @@
               <a:t>女生求婚，男生的四个特点分别是不帅</a:t>
             </a:r>
             <a:r>
-              <a:rPr lang="" altLang="en-US" sz="2200"/>
+              <a:rPr lang="en-US" altLang="en-US" sz="2200"/>
               <a:t>、</a:t>
             </a:r>
             <a:r>
@@ -5623,7 +6680,7 @@
               <a:t>性格不好</a:t>
             </a:r>
             <a:r>
-              <a:rPr lang="" altLang="en-US" sz="2200"/>
+              <a:rPr lang="en-US" altLang="en-US" sz="2200"/>
               <a:t>、</a:t>
             </a:r>
             <a:r>
@@ -5631,7 +6688,7 @@
               <a:t>身高矮</a:t>
             </a:r>
             <a:r>
-              <a:rPr lang="" altLang="en-US" sz="2200"/>
+              <a:rPr lang="en-US" altLang="en-US" sz="2200"/>
               <a:t>、</a:t>
             </a:r>
             <a:r>
@@ -5681,7 +6738,7 @@
 </p:sld>
 </file>
 
-<file path=ppt/slides/slide6.xml><?xml version="1.0" encoding="utf-8"?>
+<file path=ppt/slides/slide7.xml><?xml version="1.0" encoding="utf-8"?>
 <p:sld xmlns:a="http://schemas.openxmlformats.org/drawingml/2006/main" xmlns:r="http://schemas.openxmlformats.org/officeDocument/2006/relationships" xmlns:p="http://schemas.openxmlformats.org/presentationml/2006/main">
   <p:cSld>
     <p:spTree>
@@ -5706,10 +6763,10 @@
           <a:bodyPr/>
           <a:p>
             <a:r>
-              <a:rPr lang="" altLang="en-US" b="1"/>
+              <a:rPr lang="en-US" altLang="en-US" b="1"/>
               <a:t>如何解决？</a:t>
             </a:r>
-            <a:endParaRPr lang="" altLang="en-US" b="1"/>
+            <a:endParaRPr lang="en-US" altLang="en-US" b="1"/>
           </a:p>
         </p:txBody>
       </p:sp>
@@ -5792,10 +6849,10 @@
             </a:pPr>
             <a:r>
               <a:rPr lang="en-US" sz="2200"/>
-              <a:t>我们需要求p(嫁|(不帅、性格不好、身高矮、不上进)</a:t>
-            </a:r>
-            <a:r>
-              <a:rPr lang="" altLang="en-US" sz="2200"/>
+              <a:t>我们需要求p(嫁|不帅、性格不好、身高矮、不上进)</a:t>
+            </a:r>
+            <a:r>
+              <a:rPr lang="en-US" altLang="en-US" sz="2200"/>
               <a:t>。</a:t>
             </a:r>
             <a:r>
@@ -5803,10 +6860,10 @@
               <a:t>这是我们不知道的</a:t>
             </a:r>
             <a:r>
-              <a:rPr lang="" altLang="en-US" sz="2200"/>
+              <a:rPr lang="en-US" altLang="en-US" sz="2200"/>
               <a:t>。</a:t>
             </a:r>
-            <a:endParaRPr lang="" altLang="en-US" sz="2200"/>
+            <a:endParaRPr lang="en-US" altLang="en-US" sz="2200"/>
           </a:p>
           <a:p>
             <a:pPr>
@@ -5817,7 +6874,7 @@
                 <a:spcPts val="0"/>
               </a:spcAft>
             </a:pPr>
-            <a:endParaRPr lang="" altLang="en-US" sz="2200"/>
+            <a:endParaRPr lang="en-US" altLang="en-US" sz="2200"/>
           </a:p>
           <a:p>
             <a:pPr>
@@ -5833,7 +6890,7 @@
               <a:t>但是</a:t>
             </a:r>
             <a:r>
-              <a:rPr lang="" altLang="en-US" sz="2200"/>
+              <a:rPr lang="en-US" altLang="en-US" sz="2200"/>
               <a:t>，</a:t>
             </a:r>
             <a:r>
@@ -5841,7 +6898,7 @@
               <a:t>通过朴素贝叶斯公式</a:t>
             </a:r>
             <a:r>
-              <a:rPr lang="" altLang="en-US" sz="2200"/>
+              <a:rPr lang="en-US" altLang="en-US" sz="2200"/>
               <a:t>，</a:t>
             </a:r>
             <a:r>
@@ -5849,10 +6906,10 @@
               <a:t>可以转化为好求的三个量</a:t>
             </a:r>
             <a:r>
-              <a:rPr lang="" altLang="en-US" sz="2200"/>
+              <a:rPr lang="en-US" altLang="en-US" sz="2200"/>
               <a:t>。</a:t>
             </a:r>
-            <a:endParaRPr lang="" altLang="en-US" sz="2200"/>
+            <a:endParaRPr lang="en-US" altLang="en-US" sz="2200"/>
           </a:p>
         </p:txBody>
       </p:sp>
@@ -5895,7 +6952,7 @@
 </p:sld>
 </file>
 
-<file path=ppt/slides/slide7.xml><?xml version="1.0" encoding="utf-8"?>
+<file path=ppt/slides/slide8.xml><?xml version="1.0" encoding="utf-8"?>
 <p:sld xmlns:a="http://schemas.openxmlformats.org/drawingml/2006/main" xmlns:r="http://schemas.openxmlformats.org/officeDocument/2006/relationships" xmlns:p="http://schemas.openxmlformats.org/presentationml/2006/main">
   <p:cSld>
     <p:spTree>
@@ -5961,10 +7018,10 @@
               <a:t>朴素贝叶斯算法假设各个特征之间相互独立</a:t>
             </a:r>
             <a:r>
-              <a:rPr lang="" altLang="en-US" sz="2200"/>
+              <a:rPr lang="en-US" altLang="en-US" sz="2200"/>
               <a:t>。那么有</a:t>
             </a:r>
-            <a:endParaRPr lang="" altLang="en-US" sz="2200"/>
+            <a:endParaRPr lang="en-US" altLang="en-US" sz="2200"/>
           </a:p>
           <a:p>
             <a:pPr>
@@ -5975,7 +7032,7 @@
                 <a:spcPts val="0"/>
               </a:spcAft>
             </a:pPr>
-            <a:endParaRPr lang="" altLang="en-US" sz="2200"/>
+            <a:endParaRPr lang="en-US" altLang="en-US" sz="2200"/>
           </a:p>
           <a:p>
             <a:pPr>
@@ -5986,7 +7043,7 @@
                 <a:spcPts val="0"/>
               </a:spcAft>
             </a:pPr>
-            <a:endParaRPr lang="" altLang="en-US" sz="2200"/>
+            <a:endParaRPr lang="en-US" altLang="en-US" sz="2200"/>
           </a:p>
           <a:p>
             <a:pPr>
@@ -5997,7 +7054,7 @@
                 <a:spcPts val="0"/>
               </a:spcAft>
             </a:pPr>
-            <a:endParaRPr lang="" altLang="en-US" sz="2200"/>
+            <a:endParaRPr lang="en-US" altLang="en-US" sz="2200"/>
           </a:p>
           <a:p>
             <a:pPr>
@@ -6008,7 +7065,7 @@
                 <a:spcPts val="0"/>
               </a:spcAft>
             </a:pPr>
-            <a:endParaRPr lang="" altLang="en-US" sz="2200"/>
+            <a:endParaRPr lang="en-US" altLang="en-US" sz="2200"/>
           </a:p>
           <a:p>
             <a:pPr>
@@ -6019,7 +7076,7 @@
                 <a:spcPts val="0"/>
               </a:spcAft>
             </a:pPr>
-            <a:endParaRPr lang="" altLang="en-US" sz="2200"/>
+            <a:endParaRPr lang="en-US" altLang="en-US" sz="2200"/>
           </a:p>
           <a:p>
             <a:pPr>
@@ -6031,16 +7088,40 @@
               </a:spcAft>
             </a:pPr>
             <a:r>
-              <a:rPr lang="en-US" sz="2200">
+              <a:rPr lang="en-US" sz="2200" b="1">
                 <a:sym typeface="+mn-ea"/>
               </a:rPr>
               <a:t>朴</a:t>
             </a:r>
             <a:r>
+              <a:rPr lang="en-US" altLang="en-US" sz="2200" b="1"/>
+              <a:t>素贝叶斯法对条件概率分布做了条件独立性的假设</a:t>
+            </a:r>
+            <a:r>
               <a:rPr lang="" altLang="en-US" sz="2200"/>
-              <a:t>素贝叶斯法对条件概率分布做了条件独立性的假设，由于这是一个较强的假设，朴素贝叶斯也由此得名。这一假设使得朴素贝叶斯法变得简单，但有时会牺牲一定的分类准确率。</a:t>
-            </a:r>
-            <a:endParaRPr lang="" altLang="en-US" sz="2200"/>
+              <a:t>。</a:t>
+            </a:r>
+            <a:r>
+              <a:rPr lang="en-US" altLang="en-US" sz="2200"/>
+              <a:t>由于这是一个较强的假设，</a:t>
+            </a:r>
+            <a:r>
+              <a:rPr lang="" altLang="en-US" sz="2200"/>
+              <a:t>“</a:t>
+            </a:r>
+            <a:r>
+              <a:rPr lang="en-US" altLang="en-US" sz="2200"/>
+              <a:t>朴素</a:t>
+            </a:r>
+            <a:r>
+              <a:rPr lang="" altLang="en-US" sz="2200"/>
+              <a:t>”</a:t>
+            </a:r>
+            <a:r>
+              <a:rPr lang="en-US" altLang="en-US" sz="2200"/>
+              <a:t>贝叶斯也由此得名。这一假设使得朴素贝叶斯法变得简单，但有时会牺牲一定的分类准确率。</a:t>
+            </a:r>
+            <a:endParaRPr lang="en-US" altLang="en-US" sz="2200"/>
           </a:p>
         </p:txBody>
       </p:sp>
@@ -6083,7 +7164,7 @@
 </p:sld>
 </file>
 
-<file path=ppt/slides/slide8.xml><?xml version="1.0" encoding="utf-8"?>
+<file path=ppt/slides/slide9.xml><?xml version="1.0" encoding="utf-8"?>
 <p:sld xmlns:a="http://schemas.openxmlformats.org/drawingml/2006/main" xmlns:r="http://schemas.openxmlformats.org/officeDocument/2006/relationships" xmlns:p="http://schemas.openxmlformats.org/presentationml/2006/main">
   <p:cSld>
     <p:spTree>
@@ -6240,184 +7321,6 @@
           <a:xfrm>
             <a:off x="3013710" y="2688590"/>
             <a:ext cx="6164580" cy="1755140"/>
-          </a:xfrm>
-          <a:prstGeom prst="rect">
-            <a:avLst/>
-          </a:prstGeom>
-        </p:spPr>
-      </p:pic>
-    </p:spTree>
-  </p:cSld>
-  <p:clrMapOvr>
-    <a:masterClrMapping/>
-  </p:clrMapOvr>
-  <p:timing>
-    <p:tnLst>
-      <p:par>
-        <p:cTn id="1" dur="indefinite" restart="never" nodeType="tmRoot"/>
-      </p:par>
-    </p:tnLst>
-  </p:timing>
-</p:sld>
-</file>
-
-<file path=ppt/slides/slide9.xml><?xml version="1.0" encoding="utf-8"?>
-<p:sld xmlns:a="http://schemas.openxmlformats.org/drawingml/2006/main" xmlns:r="http://schemas.openxmlformats.org/officeDocument/2006/relationships" xmlns:p="http://schemas.openxmlformats.org/presentationml/2006/main">
-  <p:cSld>
-    <p:spTree>
-      <p:nvGrpSpPr>
-        <p:cNvPr id="1" name=""/>
-        <p:cNvGrpSpPr/>
-        <p:nvPr/>
-      </p:nvGrpSpPr>
-      <p:grpSpPr/>
-      <p:sp>
-        <p:nvSpPr>
-          <p:cNvPr id="2" name="Title 1"/>
-          <p:cNvSpPr>
-            <a:spLocks noGrp="1"/>
-          </p:cNvSpPr>
-          <p:nvPr>
-            <p:ph type="title"/>
-          </p:nvPr>
-        </p:nvSpPr>
-        <p:spPr/>
-        <p:txBody>
-          <a:bodyPr/>
-          <a:p>
-            <a:r>
-              <a:rPr lang="en-US" altLang="en-US" b="1"/>
-              <a:t>p(不帅|嫁)=？</a:t>
-            </a:r>
-            <a:endParaRPr lang="en-US" altLang="en-US" b="1"/>
-          </a:p>
-        </p:txBody>
-      </p:sp>
-      <p:sp>
-        <p:nvSpPr>
-          <p:cNvPr id="3" name="Content Placeholder 2"/>
-          <p:cNvSpPr>
-            <a:spLocks noGrp="1"/>
-          </p:cNvSpPr>
-          <p:nvPr>
-            <p:ph idx="1"/>
-          </p:nvPr>
-        </p:nvSpPr>
-        <p:spPr>
-          <a:xfrm>
-            <a:off x="838200" y="1825625"/>
-            <a:ext cx="10734675" cy="4351655"/>
-          </a:xfrm>
-        </p:spPr>
-        <p:txBody>
-          <a:bodyPr>
-            <a:noAutofit/>
-          </a:bodyPr>
-          <a:p>
-            <a:pPr>
-              <a:lnSpc>
-                <a:spcPct val="120000"/>
-              </a:lnSpc>
-              <a:spcAft>
-                <a:spcPts val="0"/>
-              </a:spcAft>
-            </a:pPr>
-            <a:r>
-              <a:rPr lang="en-US" sz="2200"/>
-              <a:t>统计满足样本数如下：</a:t>
-            </a:r>
-            <a:endParaRPr lang="en-US" sz="2200"/>
-          </a:p>
-          <a:p>
-            <a:pPr>
-              <a:lnSpc>
-                <a:spcPct val="120000"/>
-              </a:lnSpc>
-              <a:spcAft>
-                <a:spcPts val="0"/>
-              </a:spcAft>
-            </a:pPr>
-            <a:endParaRPr lang="en-US" sz="2200"/>
-          </a:p>
-          <a:p>
-            <a:pPr>
-              <a:lnSpc>
-                <a:spcPct val="120000"/>
-              </a:lnSpc>
-              <a:spcAft>
-                <a:spcPts val="0"/>
-              </a:spcAft>
-            </a:pPr>
-            <a:endParaRPr lang="en-US" sz="2200"/>
-          </a:p>
-          <a:p>
-            <a:pPr>
-              <a:lnSpc>
-                <a:spcPct val="120000"/>
-              </a:lnSpc>
-              <a:spcAft>
-                <a:spcPts val="0"/>
-              </a:spcAft>
-            </a:pPr>
-            <a:endParaRPr lang="en-US" sz="2200"/>
-          </a:p>
-          <a:p>
-            <a:pPr>
-              <a:lnSpc>
-                <a:spcPct val="120000"/>
-              </a:lnSpc>
-              <a:spcAft>
-                <a:spcPts val="0"/>
-              </a:spcAft>
-            </a:pPr>
-            <a:endParaRPr lang="en-US" sz="2200"/>
-          </a:p>
-          <a:p>
-            <a:pPr>
-              <a:lnSpc>
-                <a:spcPct val="120000"/>
-              </a:lnSpc>
-              <a:spcAft>
-                <a:spcPts val="0"/>
-              </a:spcAft>
-            </a:pPr>
-            <a:endParaRPr lang="en-US" sz="2200"/>
-          </a:p>
-          <a:p>
-            <a:pPr>
-              <a:lnSpc>
-                <a:spcPct val="120000"/>
-              </a:lnSpc>
-              <a:spcAft>
-                <a:spcPts val="0"/>
-              </a:spcAft>
-            </a:pPr>
-            <a:r>
-              <a:rPr lang="en-US" sz="2200"/>
-              <a:t>则p(不帅|嫁) = 3/6 = 1/2 在嫁的条件下，看不帅有多少</a:t>
-            </a:r>
-            <a:endParaRPr lang="en-US" sz="2200"/>
-          </a:p>
-        </p:txBody>
-      </p:sp>
-      <p:pic>
-        <p:nvPicPr>
-          <p:cNvPr id="4" name="Picture 3"/>
-          <p:cNvPicPr>
-            <a:picLocks noChangeAspect="1"/>
-          </p:cNvPicPr>
-          <p:nvPr/>
-        </p:nvPicPr>
-        <p:blipFill>
-          <a:blip r:embed="rId1"/>
-          <a:stretch>
-            <a:fillRect/>
-          </a:stretch>
-        </p:blipFill>
-        <p:spPr>
-          <a:xfrm>
-            <a:off x="2980055" y="2849880"/>
-            <a:ext cx="6231255" cy="1157605"/>
           </a:xfrm>
           <a:prstGeom prst="rect">
             <a:avLst/>
@@ -6696,4 +7599,263 @@
     </a:ext>
   </a:extLst>
 </a:theme>
+</file>
+
+<file path=ppt/theme/theme2.xml><?xml version="1.0" encoding="utf-8"?>
+<a:theme xmlns:a="http://schemas.openxmlformats.org/drawingml/2006/main" name="Office Theme">
+  <a:themeElements>
+    <a:clrScheme name="Office">
+      <a:dk1>
+        <a:sysClr val="windowText" lastClr="000000"/>
+      </a:dk1>
+      <a:lt1>
+        <a:sysClr val="window" lastClr="FFFFFF"/>
+      </a:lt1>
+      <a:dk2>
+        <a:srgbClr val="44546A"/>
+      </a:dk2>
+      <a:lt2>
+        <a:srgbClr val="E7E6E6"/>
+      </a:lt2>
+      <a:accent1>
+        <a:srgbClr val="5B9BD5"/>
+      </a:accent1>
+      <a:accent2>
+        <a:srgbClr val="ED7D31"/>
+      </a:accent2>
+      <a:accent3>
+        <a:srgbClr val="A5A5A5"/>
+      </a:accent3>
+      <a:accent4>
+        <a:srgbClr val="FFC000"/>
+      </a:accent4>
+      <a:accent5>
+        <a:srgbClr val="4472C4"/>
+      </a:accent5>
+      <a:accent6>
+        <a:srgbClr val="70AD47"/>
+      </a:accent6>
+      <a:hlink>
+        <a:srgbClr val="0563C1"/>
+      </a:hlink>
+      <a:folHlink>
+        <a:srgbClr val="954F72"/>
+      </a:folHlink>
+    </a:clrScheme>
+    <a:fontScheme name="Office">
+      <a:majorFont>
+        <a:latin typeface="Calibri Light"/>
+        <a:ea typeface=""/>
+        <a:cs typeface=""/>
+        <a:font script="Jpan" typeface="ＭＳ Ｐゴシック"/>
+        <a:font script="Hang" typeface="맑은 고딕"/>
+        <a:font script="Hans" typeface="宋体"/>
+        <a:font script="Hant" typeface="新細明體"/>
+        <a:font script="Arab" typeface="Times New Roman"/>
+        <a:font script="Hebr" typeface="Times New Roman"/>
+        <a:font script="Thai" typeface="Angsana New"/>
+        <a:font script="Ethi" typeface="Nyala"/>
+        <a:font script="Beng" typeface="Vrinda"/>
+        <a:font script="Gujr" typeface="Shruti"/>
+        <a:font script="Khmr" typeface="MoolBoran"/>
+        <a:font script="Knda" typeface="Tunga"/>
+        <a:font script="Guru" typeface="Raavi"/>
+        <a:font script="Cans" typeface="Euphemia"/>
+        <a:font script="Cher" typeface="Plantagenet Cherokee"/>
+        <a:font script="Yiii" typeface="Microsoft Yi Baiti"/>
+        <a:font script="Tibt" typeface="Microsoft Himalaya"/>
+        <a:font script="Thaa" typeface="MV Boli"/>
+        <a:font script="Deva" typeface="Mangal"/>
+        <a:font script="Telu" typeface="Gautami"/>
+        <a:font script="Taml" typeface="Latha"/>
+        <a:font script="Syrc" typeface="Estrangelo Edessa"/>
+        <a:font script="Orya" typeface="Kalinga"/>
+        <a:font script="Mlym" typeface="Kartika"/>
+        <a:font script="Laoo" typeface="DokChampa"/>
+        <a:font script="Sinh" typeface="Iskoola Pota"/>
+        <a:font script="Mong" typeface="Mongolian Baiti"/>
+        <a:font script="Viet" typeface="Times New Roman"/>
+        <a:font script="Uigh" typeface="Microsoft Uighur"/>
+        <a:font script="Geor" typeface="Sylfaen"/>
+      </a:majorFont>
+      <a:minorFont>
+        <a:latin typeface="Calibri"/>
+        <a:ea typeface=""/>
+        <a:cs typeface=""/>
+        <a:font script="Jpan" typeface="ＭＳ Ｐゴシック"/>
+        <a:font script="Hang" typeface="맑은 고딕"/>
+        <a:font script="Hans" typeface="宋体"/>
+        <a:font script="Hant" typeface="新細明體"/>
+        <a:font script="Arab" typeface="Arial"/>
+        <a:font script="Hebr" typeface="Arial"/>
+        <a:font script="Thai" typeface="Cordia New"/>
+        <a:font script="Ethi" typeface="Nyala"/>
+        <a:font script="Beng" typeface="Vrinda"/>
+        <a:font script="Gujr" typeface="Shruti"/>
+        <a:font script="Khmr" typeface="DaunPenh"/>
+        <a:font script="Knda" typeface="Tunga"/>
+        <a:font script="Guru" typeface="Raavi"/>
+        <a:font script="Cans" typeface="Euphemia"/>
+        <a:font script="Cher" typeface="Plantagenet Cherokee"/>
+        <a:font script="Yiii" typeface="Microsoft Yi Baiti"/>
+        <a:font script="Tibt" typeface="Microsoft Himalaya"/>
+        <a:font script="Thaa" typeface="MV Boli"/>
+        <a:font script="Deva" typeface="Mangal"/>
+        <a:font script="Telu" typeface="Gautami"/>
+        <a:font script="Taml" typeface="Latha"/>
+        <a:font script="Syrc" typeface="Estrangelo Edessa"/>
+        <a:font script="Orya" typeface="Kalinga"/>
+        <a:font script="Mlym" typeface="Kartika"/>
+        <a:font script="Laoo" typeface="DokChampa"/>
+        <a:font script="Sinh" typeface="Iskoola Pota"/>
+        <a:font script="Mong" typeface="Mongolian Baiti"/>
+        <a:font script="Viet" typeface="Arial"/>
+        <a:font script="Uigh" typeface="Microsoft Uighur"/>
+        <a:font script="Geor" typeface="Sylfaen"/>
+      </a:minorFont>
+    </a:fontScheme>
+    <a:fmtScheme name="Office">
+      <a:fillStyleLst>
+        <a:solidFill>
+          <a:schemeClr val="phClr"/>
+        </a:solidFill>
+        <a:gradFill rotWithShape="1">
+          <a:gsLst>
+            <a:gs pos="0">
+              <a:schemeClr val="phClr">
+                <a:lumMod val="110000"/>
+                <a:satMod val="105000"/>
+                <a:tint val="67000"/>
+              </a:schemeClr>
+            </a:gs>
+            <a:gs pos="50000">
+              <a:schemeClr val="phClr">
+                <a:lumMod val="105000"/>
+                <a:satMod val="103000"/>
+                <a:tint val="73000"/>
+              </a:schemeClr>
+            </a:gs>
+            <a:gs pos="100000">
+              <a:schemeClr val="phClr">
+                <a:lumMod val="105000"/>
+                <a:satMod val="109000"/>
+                <a:tint val="81000"/>
+              </a:schemeClr>
+            </a:gs>
+          </a:gsLst>
+          <a:lin ang="5400000" scaled="0"/>
+        </a:gradFill>
+        <a:gradFill rotWithShape="1">
+          <a:gsLst>
+            <a:gs pos="0">
+              <a:schemeClr val="phClr">
+                <a:satMod val="103000"/>
+                <a:lumMod val="102000"/>
+                <a:tint val="94000"/>
+              </a:schemeClr>
+            </a:gs>
+            <a:gs pos="50000">
+              <a:schemeClr val="phClr">
+                <a:satMod val="110000"/>
+                <a:lumMod val="100000"/>
+                <a:shade val="100000"/>
+              </a:schemeClr>
+            </a:gs>
+            <a:gs pos="100000">
+              <a:schemeClr val="phClr">
+                <a:lumMod val="99000"/>
+                <a:satMod val="120000"/>
+                <a:shade val="78000"/>
+              </a:schemeClr>
+            </a:gs>
+          </a:gsLst>
+          <a:lin ang="5400000" scaled="0"/>
+        </a:gradFill>
+      </a:fillStyleLst>
+      <a:lnStyleLst>
+        <a:ln w="6350" cap="flat" cmpd="sng" algn="ctr">
+          <a:solidFill>
+            <a:schemeClr val="phClr"/>
+          </a:solidFill>
+          <a:prstDash val="solid"/>
+          <a:miter lim="800000"/>
+        </a:ln>
+        <a:ln w="12700" cap="flat" cmpd="sng" algn="ctr">
+          <a:solidFill>
+            <a:schemeClr val="phClr"/>
+          </a:solidFill>
+          <a:prstDash val="solid"/>
+          <a:miter lim="800000"/>
+        </a:ln>
+        <a:ln w="19050" cap="flat" cmpd="sng" algn="ctr">
+          <a:solidFill>
+            <a:schemeClr val="phClr"/>
+          </a:solidFill>
+          <a:prstDash val="solid"/>
+          <a:miter lim="800000"/>
+        </a:ln>
+      </a:lnStyleLst>
+      <a:effectStyleLst>
+        <a:effectStyle>
+          <a:effectLst/>
+        </a:effectStyle>
+        <a:effectStyle>
+          <a:effectLst/>
+        </a:effectStyle>
+        <a:effectStyle>
+          <a:effectLst>
+            <a:outerShdw blurRad="57150" dist="19050" dir="5400000" algn="ctr" rotWithShape="0">
+              <a:srgbClr val="000000">
+                <a:alpha val="63000"/>
+              </a:srgbClr>
+            </a:outerShdw>
+          </a:effectLst>
+        </a:effectStyle>
+      </a:effectStyleLst>
+      <a:bgFillStyleLst>
+        <a:solidFill>
+          <a:schemeClr val="phClr"/>
+        </a:solidFill>
+        <a:solidFill>
+          <a:schemeClr val="phClr">
+            <a:tint val="95000"/>
+            <a:satMod val="170000"/>
+          </a:schemeClr>
+        </a:solidFill>
+        <a:gradFill rotWithShape="1">
+          <a:gsLst>
+            <a:gs pos="0">
+              <a:schemeClr val="phClr">
+                <a:tint val="93000"/>
+                <a:satMod val="150000"/>
+                <a:shade val="98000"/>
+                <a:lumMod val="102000"/>
+              </a:schemeClr>
+            </a:gs>
+            <a:gs pos="50000">
+              <a:schemeClr val="phClr">
+                <a:tint val="98000"/>
+                <a:satMod val="130000"/>
+                <a:shade val="90000"/>
+                <a:lumMod val="103000"/>
+              </a:schemeClr>
+            </a:gs>
+            <a:gs pos="100000">
+              <a:schemeClr val="phClr">
+                <a:shade val="63000"/>
+                <a:satMod val="120000"/>
+              </a:schemeClr>
+            </a:gs>
+          </a:gsLst>
+          <a:lin ang="5400000" scaled="0"/>
+        </a:gradFill>
+      </a:bgFillStyleLst>
+    </a:fmtScheme>
+  </a:themeElements>
+  <a:extLst>
+    <a:ext uri="{05A4C25C-085E-4340-85A3-A5531E510DB2}">
+      <thm15:themeFamily xmlns:thm15="http://schemas.microsoft.com/office/thememl/2012/main" name="Office Theme" id="{62F939B6-93AF-4DB8-9C6B-D6C7DFDC589F}" vid="{4A3C46E8-61CC-4603-A589-7422A47A8E4A}"/>
+    </a:ext>
+  </a:extLst>
+</a:theme>
 </file>